--- a/Xyrus/assets/Textures/xYRUS INSTRUCTION.pptx
+++ b/Xyrus/assets/Textures/xYRUS INSTRUCTION.pptx
@@ -6,6 +6,8 @@
   </p:sldMasterIdLst>
   <p:sldIdLst>
     <p:sldId id="256" r:id="rId2"/>
+    <p:sldId id="257" r:id="rId3"/>
+    <p:sldId id="258" r:id="rId4"/>
   </p:sldIdLst>
   <p:sldSz cx="12192000" cy="6858000"/>
   <p:notesSz cx="6858000" cy="9144000"/>
@@ -243,7 +245,7 @@
           <a:p>
             <a:fld id="{08DFAFD6-0C04-4B28-8DC2-7838D23CD2A0}" type="datetimeFigureOut">
               <a:rPr lang="en-CA" smtClean="0"/>
-              <a:t>2025-04-04</a:t>
+              <a:t>2025-04-08</a:t>
             </a:fld>
             <a:endParaRPr lang="en-CA"/>
           </a:p>
@@ -413,7 +415,7 @@
           <a:p>
             <a:fld id="{08DFAFD6-0C04-4B28-8DC2-7838D23CD2A0}" type="datetimeFigureOut">
               <a:rPr lang="en-CA" smtClean="0"/>
-              <a:t>2025-04-04</a:t>
+              <a:t>2025-04-08</a:t>
             </a:fld>
             <a:endParaRPr lang="en-CA"/>
           </a:p>
@@ -593,7 +595,7 @@
           <a:p>
             <a:fld id="{08DFAFD6-0C04-4B28-8DC2-7838D23CD2A0}" type="datetimeFigureOut">
               <a:rPr lang="en-CA" smtClean="0"/>
-              <a:t>2025-04-04</a:t>
+              <a:t>2025-04-08</a:t>
             </a:fld>
             <a:endParaRPr lang="en-CA"/>
           </a:p>
@@ -763,7 +765,7 @@
           <a:p>
             <a:fld id="{08DFAFD6-0C04-4B28-8DC2-7838D23CD2A0}" type="datetimeFigureOut">
               <a:rPr lang="en-CA" smtClean="0"/>
-              <a:t>2025-04-04</a:t>
+              <a:t>2025-04-08</a:t>
             </a:fld>
             <a:endParaRPr lang="en-CA"/>
           </a:p>
@@ -1009,7 +1011,7 @@
           <a:p>
             <a:fld id="{08DFAFD6-0C04-4B28-8DC2-7838D23CD2A0}" type="datetimeFigureOut">
               <a:rPr lang="en-CA" smtClean="0"/>
-              <a:t>2025-04-04</a:t>
+              <a:t>2025-04-08</a:t>
             </a:fld>
             <a:endParaRPr lang="en-CA"/>
           </a:p>
@@ -1241,7 +1243,7 @@
           <a:p>
             <a:fld id="{08DFAFD6-0C04-4B28-8DC2-7838D23CD2A0}" type="datetimeFigureOut">
               <a:rPr lang="en-CA" smtClean="0"/>
-              <a:t>2025-04-04</a:t>
+              <a:t>2025-04-08</a:t>
             </a:fld>
             <a:endParaRPr lang="en-CA"/>
           </a:p>
@@ -1608,7 +1610,7 @@
           <a:p>
             <a:fld id="{08DFAFD6-0C04-4B28-8DC2-7838D23CD2A0}" type="datetimeFigureOut">
               <a:rPr lang="en-CA" smtClean="0"/>
-              <a:t>2025-04-04</a:t>
+              <a:t>2025-04-08</a:t>
             </a:fld>
             <a:endParaRPr lang="en-CA"/>
           </a:p>
@@ -1726,7 +1728,7 @@
           <a:p>
             <a:fld id="{08DFAFD6-0C04-4B28-8DC2-7838D23CD2A0}" type="datetimeFigureOut">
               <a:rPr lang="en-CA" smtClean="0"/>
-              <a:t>2025-04-04</a:t>
+              <a:t>2025-04-08</a:t>
             </a:fld>
             <a:endParaRPr lang="en-CA"/>
           </a:p>
@@ -1821,7 +1823,7 @@
           <a:p>
             <a:fld id="{08DFAFD6-0C04-4B28-8DC2-7838D23CD2A0}" type="datetimeFigureOut">
               <a:rPr lang="en-CA" smtClean="0"/>
-              <a:t>2025-04-04</a:t>
+              <a:t>2025-04-08</a:t>
             </a:fld>
             <a:endParaRPr lang="en-CA"/>
           </a:p>
@@ -2098,7 +2100,7 @@
           <a:p>
             <a:fld id="{08DFAFD6-0C04-4B28-8DC2-7838D23CD2A0}" type="datetimeFigureOut">
               <a:rPr lang="en-CA" smtClean="0"/>
-              <a:t>2025-04-04</a:t>
+              <a:t>2025-04-08</a:t>
             </a:fld>
             <a:endParaRPr lang="en-CA"/>
           </a:p>
@@ -2351,7 +2353,7 @@
           <a:p>
             <a:fld id="{08DFAFD6-0C04-4B28-8DC2-7838D23CD2A0}" type="datetimeFigureOut">
               <a:rPr lang="en-CA" smtClean="0"/>
-              <a:t>2025-04-04</a:t>
+              <a:t>2025-04-08</a:t>
             </a:fld>
             <a:endParaRPr lang="en-CA"/>
           </a:p>
@@ -2564,7 +2566,7 @@
           <a:p>
             <a:fld id="{08DFAFD6-0C04-4B28-8DC2-7838D23CD2A0}" type="datetimeFigureOut">
               <a:rPr lang="en-CA" smtClean="0"/>
-              <a:t>2025-04-04</a:t>
+              <a:t>2025-04-08</a:t>
             </a:fld>
             <a:endParaRPr lang="en-CA"/>
           </a:p>
@@ -5713,23 +5715,7 @@
                   </a:outerShdw>
                 </a:effectLst>
               </a:rPr>
-              <a:t>AFTER </a:t>
-            </a:r>
-            <a:r>
-              <a:rPr lang="en-US" sz="1200" b="1" smtClean="0">
-                <a:ln w="0"/>
-                <a:solidFill>
-                  <a:srgbClr val="92D050"/>
-                </a:solidFill>
-                <a:effectLst>
-                  <a:outerShdw blurRad="38100" dist="19050" dir="2700000" algn="tl" rotWithShape="0">
-                    <a:schemeClr val="dk1">
-                      <a:alpha val="40000"/>
-                    </a:schemeClr>
-                  </a:outerShdw>
-                </a:effectLst>
-              </a:rPr>
-              <a:t>4 </a:t>
+              <a:t>AFTER 4 </a:t>
             </a:r>
             <a:r>
               <a:rPr lang="en-US" sz="1200" b="1" dirty="0" smtClean="0">
@@ -6788,6 +6774,4564 @@
     <p:extLst>
       <p:ext uri="{BB962C8B-B14F-4D97-AF65-F5344CB8AC3E}">
         <p14:creationId xmlns:p14="http://schemas.microsoft.com/office/powerpoint/2010/main" val="1440955370"/>
+      </p:ext>
+    </p:extLst>
+  </p:cSld>
+  <p:clrMapOvr>
+    <a:masterClrMapping/>
+  </p:clrMapOvr>
+</p:sld>
+</file>
+
+<file path=ppt/slides/slide2.xml><?xml version="1.0" encoding="utf-8"?>
+<p:sld xmlns:a="http://schemas.openxmlformats.org/drawingml/2006/main" xmlns:r="http://schemas.openxmlformats.org/officeDocument/2006/relationships" xmlns:p="http://schemas.openxmlformats.org/presentationml/2006/main">
+  <p:cSld>
+    <p:spTree>
+      <p:nvGrpSpPr>
+        <p:cNvPr id="1" name=""/>
+        <p:cNvGrpSpPr/>
+        <p:nvPr/>
+      </p:nvGrpSpPr>
+      <p:grpSpPr>
+        <a:xfrm>
+          <a:off x="0" y="0"/>
+          <a:ext cx="0" cy="0"/>
+          <a:chOff x="0" y="0"/>
+          <a:chExt cx="0" cy="0"/>
+        </a:xfrm>
+      </p:grpSpPr>
+      <p:sp>
+        <p:nvSpPr>
+          <p:cNvPr id="4" name="Rectangle 3"/>
+          <p:cNvSpPr/>
+          <p:nvPr/>
+        </p:nvSpPr>
+        <p:spPr>
+          <a:xfrm>
+            <a:off x="629282" y="2508830"/>
+            <a:ext cx="184730" cy="461665"/>
+          </a:xfrm>
+          <a:prstGeom prst="rect">
+            <a:avLst/>
+          </a:prstGeom>
+          <a:noFill/>
+          <a:effectLst>
+            <a:outerShdw blurRad="50800" dist="38100" dir="5400000" algn="t" rotWithShape="0">
+              <a:prstClr val="black">
+                <a:alpha val="40000"/>
+              </a:prstClr>
+            </a:outerShdw>
+          </a:effectLst>
+        </p:spPr>
+        <p:txBody>
+          <a:bodyPr wrap="none" lIns="91440" tIns="45720" rIns="91440" bIns="45720">
+            <a:spAutoFit/>
+          </a:bodyPr>
+          <a:lstStyle/>
+          <a:p>
+            <a:pPr algn="ctr"/>
+            <a:endParaRPr lang="en-US" sz="2400" b="0" cap="none" spc="0" dirty="0">
+              <a:ln w="0"/>
+              <a:solidFill>
+                <a:srgbClr val="00B050"/>
+              </a:solidFill>
+              <a:effectLst>
+                <a:outerShdw blurRad="38100" dist="19050" dir="2700000" algn="tl" rotWithShape="0">
+                  <a:schemeClr val="dk1">
+                    <a:alpha val="40000"/>
+                  </a:schemeClr>
+                </a:outerShdw>
+              </a:effectLst>
+            </a:endParaRPr>
+          </a:p>
+        </p:txBody>
+      </p:sp>
+      <p:pic>
+        <p:nvPicPr>
+          <p:cNvPr id="6" name="Picture 5"/>
+          <p:cNvPicPr>
+            <a:picLocks noChangeAspect="1"/>
+          </p:cNvPicPr>
+          <p:nvPr/>
+        </p:nvPicPr>
+        <p:blipFill>
+          <a:blip r:embed="rId2">
+            <a:extLst>
+              <a:ext uri="{28A0092B-C50C-407E-A947-70E740481C1C}">
+                <a14:useLocalDpi xmlns:a14="http://schemas.microsoft.com/office/drawing/2010/main" val="0"/>
+              </a:ext>
+            </a:extLst>
+          </a:blip>
+          <a:stretch>
+            <a:fillRect/>
+          </a:stretch>
+        </p:blipFill>
+        <p:spPr>
+          <a:xfrm>
+            <a:off x="197518" y="278371"/>
+            <a:ext cx="5715000" cy="5715000"/>
+          </a:xfrm>
+          <a:prstGeom prst="rect">
+            <a:avLst/>
+          </a:prstGeom>
+          <a:ln>
+            <a:noFill/>
+          </a:ln>
+        </p:spPr>
+      </p:pic>
+      <p:sp>
+        <p:nvSpPr>
+          <p:cNvPr id="7" name="Rectangle 6"/>
+          <p:cNvSpPr/>
+          <p:nvPr/>
+        </p:nvSpPr>
+        <p:spPr>
+          <a:xfrm>
+            <a:off x="1767954" y="513599"/>
+            <a:ext cx="2810641" cy="523220"/>
+          </a:xfrm>
+          <a:prstGeom prst="rect">
+            <a:avLst/>
+          </a:prstGeom>
+          <a:effectLst>
+            <a:glow rad="127000">
+              <a:schemeClr val="accent1"/>
+            </a:glow>
+            <a:outerShdw blurRad="50800" dir="5400000" algn="t" rotWithShape="0">
+              <a:prstClr val="black">
+                <a:alpha val="40000"/>
+              </a:prstClr>
+            </a:outerShdw>
+            <a:softEdge rad="0"/>
+          </a:effectLst>
+          <a:scene3d>
+            <a:camera prst="orthographicFront"/>
+            <a:lightRig rig="threePt" dir="t"/>
+          </a:scene3d>
+          <a:sp3d>
+            <a:bevelT w="31750" h="95250" prst="angle"/>
+          </a:sp3d>
+        </p:spPr>
+        <p:txBody>
+          <a:bodyPr wrap="none">
+            <a:spAutoFit/>
+          </a:bodyPr>
+          <a:lstStyle/>
+          <a:p>
+            <a:pPr algn="ctr"/>
+            <a:r>
+              <a:rPr lang="en-US" sz="2800" b="1" dirty="0" smtClean="0">
+                <a:ln w="0"/>
+                <a:solidFill>
+                  <a:srgbClr val="92D050"/>
+                </a:solidFill>
+                <a:effectLst>
+                  <a:outerShdw blurRad="38100" dist="19050" dir="2700000" algn="tl" rotWithShape="0">
+                    <a:schemeClr val="dk1">
+                      <a:alpha val="40000"/>
+                    </a:schemeClr>
+                  </a:outerShdw>
+                </a:effectLst>
+              </a:rPr>
+              <a:t>GAME CONTROLS</a:t>
+            </a:r>
+            <a:endParaRPr lang="en-US" sz="2800" b="1" dirty="0">
+              <a:ln w="0"/>
+              <a:solidFill>
+                <a:srgbClr val="92D050"/>
+              </a:solidFill>
+              <a:effectLst>
+                <a:outerShdw blurRad="38100" dist="19050" dir="2700000" algn="tl" rotWithShape="0">
+                  <a:schemeClr val="dk1">
+                    <a:alpha val="40000"/>
+                  </a:schemeClr>
+                </a:outerShdw>
+              </a:effectLst>
+            </a:endParaRPr>
+          </a:p>
+        </p:txBody>
+      </p:sp>
+      <p:sp>
+        <p:nvSpPr>
+          <p:cNvPr id="8" name="Rectangle 7"/>
+          <p:cNvSpPr/>
+          <p:nvPr/>
+        </p:nvSpPr>
+        <p:spPr>
+          <a:xfrm>
+            <a:off x="431952" y="1394306"/>
+            <a:ext cx="394659" cy="369332"/>
+          </a:xfrm>
+          <a:prstGeom prst="rect">
+            <a:avLst/>
+          </a:prstGeom>
+          <a:ln w="25400">
+            <a:solidFill>
+              <a:srgbClr val="92D050"/>
+            </a:solidFill>
+          </a:ln>
+          <a:effectLst>
+            <a:glow rad="63500">
+              <a:srgbClr val="92D050"/>
+            </a:glow>
+            <a:outerShdw blurRad="50800" dir="5400000" algn="t" rotWithShape="0">
+              <a:prstClr val="black">
+                <a:alpha val="40000"/>
+              </a:prstClr>
+            </a:outerShdw>
+            <a:softEdge rad="0"/>
+          </a:effectLst>
+          <a:scene3d>
+            <a:camera prst="orthographicFront"/>
+            <a:lightRig rig="threePt" dir="t"/>
+          </a:scene3d>
+          <a:sp3d>
+            <a:bevelT w="31750" h="95250" prst="angle"/>
+          </a:sp3d>
+        </p:spPr>
+        <p:txBody>
+          <a:bodyPr wrap="none">
+            <a:spAutoFit/>
+          </a:bodyPr>
+          <a:lstStyle/>
+          <a:p>
+            <a:pPr algn="ctr"/>
+            <a:r>
+              <a:rPr lang="en-US" b="1" dirty="0" smtClean="0">
+                <a:ln w="0"/>
+                <a:solidFill>
+                  <a:srgbClr val="92D050"/>
+                </a:solidFill>
+                <a:effectLst>
+                  <a:outerShdw blurRad="38100" dist="19050" dir="2700000" algn="tl" rotWithShape="0">
+                    <a:schemeClr val="dk1">
+                      <a:alpha val="40000"/>
+                    </a:schemeClr>
+                  </a:outerShdw>
+                </a:effectLst>
+              </a:rPr>
+              <a:t>W</a:t>
+            </a:r>
+            <a:endParaRPr lang="en-US" b="1" dirty="0">
+              <a:ln w="0"/>
+              <a:solidFill>
+                <a:srgbClr val="92D050"/>
+              </a:solidFill>
+              <a:effectLst>
+                <a:outerShdw blurRad="38100" dist="19050" dir="2700000" algn="tl" rotWithShape="0">
+                  <a:schemeClr val="dk1">
+                    <a:alpha val="40000"/>
+                  </a:schemeClr>
+                </a:outerShdw>
+              </a:effectLst>
+            </a:endParaRPr>
+          </a:p>
+        </p:txBody>
+      </p:sp>
+      <p:sp>
+        <p:nvSpPr>
+          <p:cNvPr id="11" name="Rectangle 10"/>
+          <p:cNvSpPr/>
+          <p:nvPr/>
+        </p:nvSpPr>
+        <p:spPr>
+          <a:xfrm>
+            <a:off x="920018" y="1425083"/>
+            <a:ext cx="407484" cy="307777"/>
+          </a:xfrm>
+          <a:prstGeom prst="rect">
+            <a:avLst/>
+          </a:prstGeom>
+          <a:effectLst>
+            <a:glow rad="127000">
+              <a:schemeClr val="accent1"/>
+            </a:glow>
+            <a:outerShdw blurRad="50800" dir="5400000" algn="t" rotWithShape="0">
+              <a:prstClr val="black">
+                <a:alpha val="40000"/>
+              </a:prstClr>
+            </a:outerShdw>
+            <a:softEdge rad="0"/>
+          </a:effectLst>
+          <a:scene3d>
+            <a:camera prst="orthographicFront"/>
+            <a:lightRig rig="threePt" dir="t"/>
+          </a:scene3d>
+          <a:sp3d>
+            <a:bevelT w="31750" h="95250" prst="angle"/>
+          </a:sp3d>
+        </p:spPr>
+        <p:txBody>
+          <a:bodyPr wrap="none">
+            <a:spAutoFit/>
+          </a:bodyPr>
+          <a:lstStyle/>
+          <a:p>
+            <a:pPr algn="ctr"/>
+            <a:r>
+              <a:rPr lang="en-US" sz="1400" b="1" dirty="0" smtClean="0">
+                <a:ln w="0"/>
+                <a:solidFill>
+                  <a:srgbClr val="92D050"/>
+                </a:solidFill>
+                <a:effectLst>
+                  <a:outerShdw blurRad="38100" dist="19050" dir="2700000" algn="tl" rotWithShape="0">
+                    <a:schemeClr val="dk1">
+                      <a:alpha val="40000"/>
+                    </a:schemeClr>
+                  </a:outerShdw>
+                </a:effectLst>
+              </a:rPr>
+              <a:t>OR</a:t>
+            </a:r>
+            <a:endParaRPr lang="en-US" sz="1400" b="1" dirty="0">
+              <a:ln w="0"/>
+              <a:solidFill>
+                <a:srgbClr val="92D050"/>
+              </a:solidFill>
+              <a:effectLst>
+                <a:outerShdw blurRad="38100" dist="19050" dir="2700000" algn="tl" rotWithShape="0">
+                  <a:schemeClr val="dk1">
+                    <a:alpha val="40000"/>
+                  </a:schemeClr>
+                </a:outerShdw>
+              </a:effectLst>
+            </a:endParaRPr>
+          </a:p>
+        </p:txBody>
+      </p:sp>
+      <p:sp>
+        <p:nvSpPr>
+          <p:cNvPr id="13" name="Rectangle 12"/>
+          <p:cNvSpPr/>
+          <p:nvPr/>
+        </p:nvSpPr>
+        <p:spPr>
+          <a:xfrm>
+            <a:off x="1420108" y="1394305"/>
+            <a:ext cx="396263" cy="369332"/>
+          </a:xfrm>
+          <a:prstGeom prst="rect">
+            <a:avLst/>
+          </a:prstGeom>
+          <a:ln w="25400">
+            <a:solidFill>
+              <a:srgbClr val="92D050"/>
+            </a:solidFill>
+          </a:ln>
+          <a:effectLst>
+            <a:glow rad="63500">
+              <a:srgbClr val="92D050"/>
+            </a:glow>
+            <a:outerShdw blurRad="50800" dir="5400000" algn="t" rotWithShape="0">
+              <a:prstClr val="black">
+                <a:alpha val="40000"/>
+              </a:prstClr>
+            </a:outerShdw>
+            <a:softEdge rad="0"/>
+          </a:effectLst>
+          <a:scene3d>
+            <a:camera prst="orthographicFront"/>
+            <a:lightRig rig="threePt" dir="t"/>
+          </a:scene3d>
+          <a:sp3d>
+            <a:bevelT w="31750" h="95250" prst="angle"/>
+          </a:sp3d>
+        </p:spPr>
+        <p:txBody>
+          <a:bodyPr wrap="none">
+            <a:spAutoFit/>
+          </a:bodyPr>
+          <a:lstStyle/>
+          <a:p>
+            <a:pPr algn="ctr"/>
+            <a:r>
+              <a:rPr lang="en-US" b="1" dirty="0" smtClean="0">
+                <a:ln w="0"/>
+                <a:solidFill>
+                  <a:srgbClr val="92D050"/>
+                </a:solidFill>
+                <a:effectLst>
+                  <a:outerShdw blurRad="38100" dist="19050" dir="2700000" algn="tl" rotWithShape="0">
+                    <a:schemeClr val="dk1">
+                      <a:alpha val="40000"/>
+                    </a:schemeClr>
+                  </a:outerShdw>
+                </a:effectLst>
+              </a:rPr>
+              <a:t>    </a:t>
+            </a:r>
+            <a:endParaRPr lang="en-US" b="1" dirty="0">
+              <a:ln w="0"/>
+              <a:solidFill>
+                <a:srgbClr val="92D050"/>
+              </a:solidFill>
+              <a:effectLst>
+                <a:outerShdw blurRad="38100" dist="19050" dir="2700000" algn="tl" rotWithShape="0">
+                  <a:schemeClr val="dk1">
+                    <a:alpha val="40000"/>
+                  </a:schemeClr>
+                </a:outerShdw>
+              </a:effectLst>
+            </a:endParaRPr>
+          </a:p>
+        </p:txBody>
+      </p:sp>
+      <p:sp>
+        <p:nvSpPr>
+          <p:cNvPr id="14" name="Isosceles Triangle 13"/>
+          <p:cNvSpPr/>
+          <p:nvPr/>
+        </p:nvSpPr>
+        <p:spPr>
+          <a:xfrm>
+            <a:off x="1549477" y="1493163"/>
+            <a:ext cx="138568" cy="162588"/>
+          </a:xfrm>
+          <a:prstGeom prst="triangle">
+            <a:avLst/>
+          </a:prstGeom>
+          <a:solidFill>
+            <a:srgbClr val="92D050"/>
+          </a:solidFill>
+          <a:ln>
+            <a:solidFill>
+              <a:srgbClr val="92D050"/>
+            </a:solidFill>
+          </a:ln>
+        </p:spPr>
+        <p:style>
+          <a:lnRef idx="2">
+            <a:schemeClr val="accent1">
+              <a:shade val="50000"/>
+            </a:schemeClr>
+          </a:lnRef>
+          <a:fillRef idx="1">
+            <a:schemeClr val="accent1"/>
+          </a:fillRef>
+          <a:effectRef idx="0">
+            <a:schemeClr val="accent1"/>
+          </a:effectRef>
+          <a:fontRef idx="minor">
+            <a:schemeClr val="lt1"/>
+          </a:fontRef>
+        </p:style>
+        <p:txBody>
+          <a:bodyPr rtlCol="0" anchor="ctr"/>
+          <a:lstStyle/>
+          <a:p>
+            <a:pPr algn="ctr"/>
+            <a:endParaRPr lang="en-CA"/>
+          </a:p>
+        </p:txBody>
+      </p:sp>
+      <p:sp>
+        <p:nvSpPr>
+          <p:cNvPr id="15" name="Rectangle 14"/>
+          <p:cNvSpPr/>
+          <p:nvPr/>
+        </p:nvSpPr>
+        <p:spPr>
+          <a:xfrm>
+            <a:off x="1962455" y="1411291"/>
+            <a:ext cx="907749" cy="307777"/>
+          </a:xfrm>
+          <a:prstGeom prst="rect">
+            <a:avLst/>
+          </a:prstGeom>
+          <a:effectLst>
+            <a:glow rad="127000">
+              <a:schemeClr val="accent1"/>
+            </a:glow>
+            <a:outerShdw blurRad="50800" dir="5400000" algn="t" rotWithShape="0">
+              <a:prstClr val="black">
+                <a:alpha val="40000"/>
+              </a:prstClr>
+            </a:outerShdw>
+            <a:softEdge rad="0"/>
+          </a:effectLst>
+          <a:scene3d>
+            <a:camera prst="orthographicFront"/>
+            <a:lightRig rig="threePt" dir="t"/>
+          </a:scene3d>
+          <a:sp3d>
+            <a:bevelT w="31750" h="95250" prst="angle"/>
+          </a:sp3d>
+        </p:spPr>
+        <p:txBody>
+          <a:bodyPr wrap="none">
+            <a:spAutoFit/>
+          </a:bodyPr>
+          <a:lstStyle/>
+          <a:p>
+            <a:r>
+              <a:rPr lang="en-US" sz="1400" b="1" dirty="0" smtClean="0">
+                <a:ln w="0"/>
+                <a:solidFill>
+                  <a:srgbClr val="92D050"/>
+                </a:solidFill>
+                <a:effectLst>
+                  <a:outerShdw blurRad="38100" dist="19050" dir="2700000" algn="tl" rotWithShape="0">
+                    <a:schemeClr val="dk1">
+                      <a:alpha val="40000"/>
+                    </a:schemeClr>
+                  </a:outerShdw>
+                </a:effectLst>
+              </a:rPr>
+              <a:t>MOVE UP</a:t>
+            </a:r>
+            <a:endParaRPr lang="en-US" sz="1400" b="1" dirty="0">
+              <a:ln w="0"/>
+              <a:solidFill>
+                <a:srgbClr val="92D050"/>
+              </a:solidFill>
+              <a:effectLst>
+                <a:outerShdw blurRad="38100" dist="19050" dir="2700000" algn="tl" rotWithShape="0">
+                  <a:schemeClr val="dk1">
+                    <a:alpha val="40000"/>
+                  </a:schemeClr>
+                </a:outerShdw>
+              </a:effectLst>
+            </a:endParaRPr>
+          </a:p>
+        </p:txBody>
+      </p:sp>
+      <p:sp>
+        <p:nvSpPr>
+          <p:cNvPr id="16" name="Rectangle 15"/>
+          <p:cNvSpPr/>
+          <p:nvPr/>
+        </p:nvSpPr>
+        <p:spPr>
+          <a:xfrm>
+            <a:off x="429548" y="1934512"/>
+            <a:ext cx="399469" cy="369332"/>
+          </a:xfrm>
+          <a:prstGeom prst="rect">
+            <a:avLst/>
+          </a:prstGeom>
+          <a:ln w="25400">
+            <a:solidFill>
+              <a:srgbClr val="92D050"/>
+            </a:solidFill>
+          </a:ln>
+          <a:effectLst>
+            <a:glow rad="63500">
+              <a:srgbClr val="92D050"/>
+            </a:glow>
+            <a:outerShdw blurRad="50800" dir="5400000" algn="t" rotWithShape="0">
+              <a:prstClr val="black">
+                <a:alpha val="40000"/>
+              </a:prstClr>
+            </a:outerShdw>
+            <a:softEdge rad="0"/>
+          </a:effectLst>
+          <a:scene3d>
+            <a:camera prst="orthographicFront"/>
+            <a:lightRig rig="threePt" dir="t"/>
+          </a:scene3d>
+          <a:sp3d>
+            <a:bevelT w="31750" h="95250" prst="angle"/>
+          </a:sp3d>
+        </p:spPr>
+        <p:txBody>
+          <a:bodyPr wrap="none">
+            <a:spAutoFit/>
+          </a:bodyPr>
+          <a:lstStyle/>
+          <a:p>
+            <a:pPr algn="ctr"/>
+            <a:r>
+              <a:rPr lang="en-US" b="1" dirty="0" smtClean="0">
+                <a:ln w="0"/>
+                <a:solidFill>
+                  <a:srgbClr val="92D050"/>
+                </a:solidFill>
+                <a:effectLst>
+                  <a:outerShdw blurRad="38100" dist="19050" dir="2700000" algn="tl" rotWithShape="0">
+                    <a:schemeClr val="dk1">
+                      <a:alpha val="40000"/>
+                    </a:schemeClr>
+                  </a:outerShdw>
+                </a:effectLst>
+              </a:rPr>
+              <a:t> S </a:t>
+            </a:r>
+            <a:endParaRPr lang="en-US" b="1" dirty="0">
+              <a:ln w="0"/>
+              <a:solidFill>
+                <a:srgbClr val="92D050"/>
+              </a:solidFill>
+              <a:effectLst>
+                <a:outerShdw blurRad="38100" dist="19050" dir="2700000" algn="tl" rotWithShape="0">
+                  <a:schemeClr val="dk1">
+                    <a:alpha val="40000"/>
+                  </a:schemeClr>
+                </a:outerShdw>
+              </a:effectLst>
+            </a:endParaRPr>
+          </a:p>
+        </p:txBody>
+      </p:sp>
+      <p:sp>
+        <p:nvSpPr>
+          <p:cNvPr id="17" name="Rectangle 16"/>
+          <p:cNvSpPr/>
+          <p:nvPr/>
+        </p:nvSpPr>
+        <p:spPr>
+          <a:xfrm>
+            <a:off x="920018" y="1965289"/>
+            <a:ext cx="407484" cy="307777"/>
+          </a:xfrm>
+          <a:prstGeom prst="rect">
+            <a:avLst/>
+          </a:prstGeom>
+          <a:effectLst>
+            <a:glow rad="127000">
+              <a:schemeClr val="accent1"/>
+            </a:glow>
+            <a:outerShdw blurRad="50800" dir="5400000" algn="t" rotWithShape="0">
+              <a:prstClr val="black">
+                <a:alpha val="40000"/>
+              </a:prstClr>
+            </a:outerShdw>
+            <a:softEdge rad="0"/>
+          </a:effectLst>
+          <a:scene3d>
+            <a:camera prst="orthographicFront"/>
+            <a:lightRig rig="threePt" dir="t"/>
+          </a:scene3d>
+          <a:sp3d>
+            <a:bevelT w="31750" h="95250" prst="angle"/>
+          </a:sp3d>
+        </p:spPr>
+        <p:txBody>
+          <a:bodyPr wrap="none">
+            <a:spAutoFit/>
+          </a:bodyPr>
+          <a:lstStyle/>
+          <a:p>
+            <a:pPr algn="ctr"/>
+            <a:r>
+              <a:rPr lang="en-US" sz="1400" b="1" dirty="0" smtClean="0">
+                <a:ln w="0"/>
+                <a:solidFill>
+                  <a:srgbClr val="92D050"/>
+                </a:solidFill>
+                <a:effectLst>
+                  <a:outerShdw blurRad="38100" dist="19050" dir="2700000" algn="tl" rotWithShape="0">
+                    <a:schemeClr val="dk1">
+                      <a:alpha val="40000"/>
+                    </a:schemeClr>
+                  </a:outerShdw>
+                </a:effectLst>
+              </a:rPr>
+              <a:t>OR</a:t>
+            </a:r>
+            <a:endParaRPr lang="en-US" sz="1400" b="1" dirty="0">
+              <a:ln w="0"/>
+              <a:solidFill>
+                <a:srgbClr val="92D050"/>
+              </a:solidFill>
+              <a:effectLst>
+                <a:outerShdw blurRad="38100" dist="19050" dir="2700000" algn="tl" rotWithShape="0">
+                  <a:schemeClr val="dk1">
+                    <a:alpha val="40000"/>
+                  </a:schemeClr>
+                </a:outerShdw>
+              </a:effectLst>
+            </a:endParaRPr>
+          </a:p>
+        </p:txBody>
+      </p:sp>
+      <p:sp>
+        <p:nvSpPr>
+          <p:cNvPr id="18" name="Rectangle 17"/>
+          <p:cNvSpPr/>
+          <p:nvPr/>
+        </p:nvSpPr>
+        <p:spPr>
+          <a:xfrm>
+            <a:off x="1420108" y="1934511"/>
+            <a:ext cx="396263" cy="369332"/>
+          </a:xfrm>
+          <a:prstGeom prst="rect">
+            <a:avLst/>
+          </a:prstGeom>
+          <a:ln w="25400">
+            <a:solidFill>
+              <a:srgbClr val="92D050"/>
+            </a:solidFill>
+          </a:ln>
+          <a:effectLst>
+            <a:glow rad="63500">
+              <a:srgbClr val="92D050"/>
+            </a:glow>
+            <a:outerShdw blurRad="50800" dir="5400000" algn="t" rotWithShape="0">
+              <a:prstClr val="black">
+                <a:alpha val="40000"/>
+              </a:prstClr>
+            </a:outerShdw>
+            <a:softEdge rad="0"/>
+          </a:effectLst>
+          <a:scene3d>
+            <a:camera prst="orthographicFront"/>
+            <a:lightRig rig="threePt" dir="t"/>
+          </a:scene3d>
+          <a:sp3d>
+            <a:bevelT w="31750" h="95250" prst="angle"/>
+          </a:sp3d>
+        </p:spPr>
+        <p:txBody>
+          <a:bodyPr wrap="none">
+            <a:spAutoFit/>
+          </a:bodyPr>
+          <a:lstStyle/>
+          <a:p>
+            <a:pPr algn="ctr"/>
+            <a:r>
+              <a:rPr lang="en-US" b="1" dirty="0" smtClean="0">
+                <a:ln w="0"/>
+                <a:solidFill>
+                  <a:srgbClr val="92D050"/>
+                </a:solidFill>
+                <a:effectLst>
+                  <a:outerShdw blurRad="38100" dist="19050" dir="2700000" algn="tl" rotWithShape="0">
+                    <a:schemeClr val="dk1">
+                      <a:alpha val="40000"/>
+                    </a:schemeClr>
+                  </a:outerShdw>
+                </a:effectLst>
+              </a:rPr>
+              <a:t>    </a:t>
+            </a:r>
+            <a:endParaRPr lang="en-US" b="1" dirty="0">
+              <a:ln w="0"/>
+              <a:solidFill>
+                <a:srgbClr val="92D050"/>
+              </a:solidFill>
+              <a:effectLst>
+                <a:outerShdw blurRad="38100" dist="19050" dir="2700000" algn="tl" rotWithShape="0">
+                  <a:schemeClr val="dk1">
+                    <a:alpha val="40000"/>
+                  </a:schemeClr>
+                </a:outerShdw>
+              </a:effectLst>
+            </a:endParaRPr>
+          </a:p>
+        </p:txBody>
+      </p:sp>
+      <p:sp>
+        <p:nvSpPr>
+          <p:cNvPr id="19" name="Isosceles Triangle 18"/>
+          <p:cNvSpPr/>
+          <p:nvPr/>
+        </p:nvSpPr>
+        <p:spPr>
+          <a:xfrm rot="10800000">
+            <a:off x="1551763" y="2039465"/>
+            <a:ext cx="138568" cy="162588"/>
+          </a:xfrm>
+          <a:prstGeom prst="triangle">
+            <a:avLst/>
+          </a:prstGeom>
+          <a:solidFill>
+            <a:srgbClr val="92D050"/>
+          </a:solidFill>
+          <a:ln>
+            <a:solidFill>
+              <a:srgbClr val="92D050"/>
+            </a:solidFill>
+          </a:ln>
+        </p:spPr>
+        <p:style>
+          <a:lnRef idx="2">
+            <a:schemeClr val="accent1">
+              <a:shade val="50000"/>
+            </a:schemeClr>
+          </a:lnRef>
+          <a:fillRef idx="1">
+            <a:schemeClr val="accent1"/>
+          </a:fillRef>
+          <a:effectRef idx="0">
+            <a:schemeClr val="accent1"/>
+          </a:effectRef>
+          <a:fontRef idx="minor">
+            <a:schemeClr val="lt1"/>
+          </a:fontRef>
+        </p:style>
+        <p:txBody>
+          <a:bodyPr rtlCol="0" anchor="ctr"/>
+          <a:lstStyle/>
+          <a:p>
+            <a:pPr algn="ctr"/>
+            <a:endParaRPr lang="en-CA"/>
+          </a:p>
+        </p:txBody>
+      </p:sp>
+      <p:sp>
+        <p:nvSpPr>
+          <p:cNvPr id="20" name="Rectangle 19"/>
+          <p:cNvSpPr/>
+          <p:nvPr/>
+        </p:nvSpPr>
+        <p:spPr>
+          <a:xfrm>
+            <a:off x="1962455" y="1965289"/>
+            <a:ext cx="1210139" cy="307777"/>
+          </a:xfrm>
+          <a:prstGeom prst="rect">
+            <a:avLst/>
+          </a:prstGeom>
+          <a:effectLst>
+            <a:glow rad="127000">
+              <a:schemeClr val="accent1"/>
+            </a:glow>
+            <a:outerShdw blurRad="50800" dir="5400000" algn="t" rotWithShape="0">
+              <a:prstClr val="black">
+                <a:alpha val="40000"/>
+              </a:prstClr>
+            </a:outerShdw>
+            <a:softEdge rad="0"/>
+          </a:effectLst>
+          <a:scene3d>
+            <a:camera prst="orthographicFront"/>
+            <a:lightRig rig="threePt" dir="t"/>
+          </a:scene3d>
+          <a:sp3d>
+            <a:bevelT w="31750" h="95250" prst="angle"/>
+          </a:sp3d>
+        </p:spPr>
+        <p:txBody>
+          <a:bodyPr wrap="none">
+            <a:spAutoFit/>
+          </a:bodyPr>
+          <a:lstStyle/>
+          <a:p>
+            <a:r>
+              <a:rPr lang="en-US" sz="1400" b="1" dirty="0" smtClean="0">
+                <a:ln w="0"/>
+                <a:solidFill>
+                  <a:srgbClr val="92D050"/>
+                </a:solidFill>
+                <a:effectLst>
+                  <a:outerShdw blurRad="38100" dist="19050" dir="2700000" algn="tl" rotWithShape="0">
+                    <a:schemeClr val="dk1">
+                      <a:alpha val="40000"/>
+                    </a:schemeClr>
+                  </a:outerShdw>
+                </a:effectLst>
+              </a:rPr>
+              <a:t>MOVE DOWN</a:t>
+            </a:r>
+            <a:endParaRPr lang="en-US" sz="1400" b="1" dirty="0">
+              <a:ln w="0"/>
+              <a:solidFill>
+                <a:srgbClr val="92D050"/>
+              </a:solidFill>
+              <a:effectLst>
+                <a:outerShdw blurRad="38100" dist="19050" dir="2700000" algn="tl" rotWithShape="0">
+                  <a:schemeClr val="dk1">
+                    <a:alpha val="40000"/>
+                  </a:schemeClr>
+                </a:outerShdw>
+              </a:effectLst>
+            </a:endParaRPr>
+          </a:p>
+        </p:txBody>
+      </p:sp>
+      <p:sp>
+        <p:nvSpPr>
+          <p:cNvPr id="21" name="Rectangle 20"/>
+          <p:cNvSpPr/>
+          <p:nvPr/>
+        </p:nvSpPr>
+        <p:spPr>
+          <a:xfrm>
+            <a:off x="425911" y="2488510"/>
+            <a:ext cx="400700" cy="369332"/>
+          </a:xfrm>
+          <a:prstGeom prst="rect">
+            <a:avLst/>
+          </a:prstGeom>
+          <a:ln w="25400">
+            <a:solidFill>
+              <a:srgbClr val="92D050"/>
+            </a:solidFill>
+          </a:ln>
+          <a:effectLst>
+            <a:glow rad="63500">
+              <a:srgbClr val="92D050"/>
+            </a:glow>
+            <a:outerShdw blurRad="50800" dir="5400000" algn="t" rotWithShape="0">
+              <a:prstClr val="black">
+                <a:alpha val="40000"/>
+              </a:prstClr>
+            </a:outerShdw>
+            <a:softEdge rad="0"/>
+          </a:effectLst>
+          <a:scene3d>
+            <a:camera prst="orthographicFront"/>
+            <a:lightRig rig="threePt" dir="t"/>
+          </a:scene3d>
+          <a:sp3d>
+            <a:bevelT w="31750" h="95250" prst="angle"/>
+          </a:sp3d>
+        </p:spPr>
+        <p:txBody>
+          <a:bodyPr wrap="square">
+            <a:spAutoFit/>
+          </a:bodyPr>
+          <a:lstStyle/>
+          <a:p>
+            <a:pPr algn="ctr"/>
+            <a:r>
+              <a:rPr lang="en-US" b="1" dirty="0">
+                <a:ln w="0"/>
+                <a:solidFill>
+                  <a:srgbClr val="92D050"/>
+                </a:solidFill>
+                <a:effectLst>
+                  <a:outerShdw blurRad="38100" dist="19050" dir="2700000" algn="tl" rotWithShape="0">
+                    <a:schemeClr val="dk1">
+                      <a:alpha val="40000"/>
+                    </a:schemeClr>
+                  </a:outerShdw>
+                </a:effectLst>
+              </a:rPr>
+              <a:t>D</a:t>
+            </a:r>
+          </a:p>
+        </p:txBody>
+      </p:sp>
+      <p:sp>
+        <p:nvSpPr>
+          <p:cNvPr id="22" name="Rectangle 21"/>
+          <p:cNvSpPr/>
+          <p:nvPr/>
+        </p:nvSpPr>
+        <p:spPr>
+          <a:xfrm>
+            <a:off x="920018" y="2519287"/>
+            <a:ext cx="407484" cy="307777"/>
+          </a:xfrm>
+          <a:prstGeom prst="rect">
+            <a:avLst/>
+          </a:prstGeom>
+          <a:effectLst>
+            <a:glow rad="127000">
+              <a:schemeClr val="accent1"/>
+            </a:glow>
+            <a:outerShdw blurRad="50800" dir="5400000" algn="t" rotWithShape="0">
+              <a:prstClr val="black">
+                <a:alpha val="40000"/>
+              </a:prstClr>
+            </a:outerShdw>
+            <a:softEdge rad="0"/>
+          </a:effectLst>
+          <a:scene3d>
+            <a:camera prst="orthographicFront"/>
+            <a:lightRig rig="threePt" dir="t"/>
+          </a:scene3d>
+          <a:sp3d>
+            <a:bevelT w="31750" h="95250" prst="angle"/>
+          </a:sp3d>
+        </p:spPr>
+        <p:txBody>
+          <a:bodyPr wrap="none">
+            <a:spAutoFit/>
+          </a:bodyPr>
+          <a:lstStyle/>
+          <a:p>
+            <a:pPr algn="ctr"/>
+            <a:r>
+              <a:rPr lang="en-US" sz="1400" b="1" dirty="0" smtClean="0">
+                <a:ln w="0"/>
+                <a:solidFill>
+                  <a:srgbClr val="92D050"/>
+                </a:solidFill>
+                <a:effectLst>
+                  <a:outerShdw blurRad="38100" dist="19050" dir="2700000" algn="tl" rotWithShape="0">
+                    <a:schemeClr val="dk1">
+                      <a:alpha val="40000"/>
+                    </a:schemeClr>
+                  </a:outerShdw>
+                </a:effectLst>
+              </a:rPr>
+              <a:t>OR</a:t>
+            </a:r>
+            <a:endParaRPr lang="en-US" sz="1400" b="1" dirty="0">
+              <a:ln w="0"/>
+              <a:solidFill>
+                <a:srgbClr val="92D050"/>
+              </a:solidFill>
+              <a:effectLst>
+                <a:outerShdw blurRad="38100" dist="19050" dir="2700000" algn="tl" rotWithShape="0">
+                  <a:schemeClr val="dk1">
+                    <a:alpha val="40000"/>
+                  </a:schemeClr>
+                </a:outerShdw>
+              </a:effectLst>
+            </a:endParaRPr>
+          </a:p>
+        </p:txBody>
+      </p:sp>
+      <p:sp>
+        <p:nvSpPr>
+          <p:cNvPr id="23" name="Rectangle 22"/>
+          <p:cNvSpPr/>
+          <p:nvPr/>
+        </p:nvSpPr>
+        <p:spPr>
+          <a:xfrm>
+            <a:off x="1420108" y="2488509"/>
+            <a:ext cx="396263" cy="369332"/>
+          </a:xfrm>
+          <a:prstGeom prst="rect">
+            <a:avLst/>
+          </a:prstGeom>
+          <a:ln w="25400">
+            <a:solidFill>
+              <a:srgbClr val="92D050"/>
+            </a:solidFill>
+          </a:ln>
+          <a:effectLst>
+            <a:glow rad="63500">
+              <a:srgbClr val="92D050"/>
+            </a:glow>
+            <a:outerShdw blurRad="50800" dir="5400000" algn="t" rotWithShape="0">
+              <a:prstClr val="black">
+                <a:alpha val="40000"/>
+              </a:prstClr>
+            </a:outerShdw>
+            <a:softEdge rad="0"/>
+          </a:effectLst>
+          <a:scene3d>
+            <a:camera prst="orthographicFront"/>
+            <a:lightRig rig="threePt" dir="t"/>
+          </a:scene3d>
+          <a:sp3d>
+            <a:bevelT w="31750" h="95250" prst="angle"/>
+          </a:sp3d>
+        </p:spPr>
+        <p:txBody>
+          <a:bodyPr wrap="none">
+            <a:spAutoFit/>
+          </a:bodyPr>
+          <a:lstStyle/>
+          <a:p>
+            <a:pPr algn="ctr"/>
+            <a:r>
+              <a:rPr lang="en-US" b="1" dirty="0" smtClean="0">
+                <a:ln w="0"/>
+                <a:solidFill>
+                  <a:srgbClr val="92D050"/>
+                </a:solidFill>
+                <a:effectLst>
+                  <a:outerShdw blurRad="38100" dist="19050" dir="2700000" algn="tl" rotWithShape="0">
+                    <a:schemeClr val="dk1">
+                      <a:alpha val="40000"/>
+                    </a:schemeClr>
+                  </a:outerShdw>
+                </a:effectLst>
+              </a:rPr>
+              <a:t>    </a:t>
+            </a:r>
+            <a:endParaRPr lang="en-US" b="1" dirty="0">
+              <a:ln w="0"/>
+              <a:solidFill>
+                <a:srgbClr val="92D050"/>
+              </a:solidFill>
+              <a:effectLst>
+                <a:outerShdw blurRad="38100" dist="19050" dir="2700000" algn="tl" rotWithShape="0">
+                  <a:schemeClr val="dk1">
+                    <a:alpha val="40000"/>
+                  </a:schemeClr>
+                </a:outerShdw>
+              </a:effectLst>
+            </a:endParaRPr>
+          </a:p>
+        </p:txBody>
+      </p:sp>
+      <p:sp>
+        <p:nvSpPr>
+          <p:cNvPr id="24" name="Isosceles Triangle 23"/>
+          <p:cNvSpPr/>
+          <p:nvPr/>
+        </p:nvSpPr>
+        <p:spPr>
+          <a:xfrm rot="5400000">
+            <a:off x="1554557" y="2587367"/>
+            <a:ext cx="138568" cy="162588"/>
+          </a:xfrm>
+          <a:prstGeom prst="triangle">
+            <a:avLst/>
+          </a:prstGeom>
+          <a:solidFill>
+            <a:srgbClr val="92D050"/>
+          </a:solidFill>
+          <a:ln>
+            <a:solidFill>
+              <a:srgbClr val="92D050"/>
+            </a:solidFill>
+          </a:ln>
+        </p:spPr>
+        <p:style>
+          <a:lnRef idx="2">
+            <a:schemeClr val="accent1">
+              <a:shade val="50000"/>
+            </a:schemeClr>
+          </a:lnRef>
+          <a:fillRef idx="1">
+            <a:schemeClr val="accent1"/>
+          </a:fillRef>
+          <a:effectRef idx="0">
+            <a:schemeClr val="accent1"/>
+          </a:effectRef>
+          <a:fontRef idx="minor">
+            <a:schemeClr val="lt1"/>
+          </a:fontRef>
+        </p:style>
+        <p:txBody>
+          <a:bodyPr rtlCol="0" anchor="ctr"/>
+          <a:lstStyle/>
+          <a:p>
+            <a:pPr algn="ctr"/>
+            <a:endParaRPr lang="en-CA"/>
+          </a:p>
+        </p:txBody>
+      </p:sp>
+      <p:sp>
+        <p:nvSpPr>
+          <p:cNvPr id="25" name="Rectangle 24"/>
+          <p:cNvSpPr/>
+          <p:nvPr/>
+        </p:nvSpPr>
+        <p:spPr>
+          <a:xfrm>
+            <a:off x="1962455" y="2505495"/>
+            <a:ext cx="1159420" cy="307777"/>
+          </a:xfrm>
+          <a:prstGeom prst="rect">
+            <a:avLst/>
+          </a:prstGeom>
+          <a:effectLst>
+            <a:glow rad="127000">
+              <a:schemeClr val="accent1"/>
+            </a:glow>
+            <a:outerShdw blurRad="50800" dir="5400000" algn="t" rotWithShape="0">
+              <a:prstClr val="black">
+                <a:alpha val="40000"/>
+              </a:prstClr>
+            </a:outerShdw>
+            <a:softEdge rad="0"/>
+          </a:effectLst>
+          <a:scene3d>
+            <a:camera prst="orthographicFront"/>
+            <a:lightRig rig="threePt" dir="t"/>
+          </a:scene3d>
+          <a:sp3d>
+            <a:bevelT w="31750" h="95250" prst="angle"/>
+          </a:sp3d>
+        </p:spPr>
+        <p:txBody>
+          <a:bodyPr wrap="none">
+            <a:spAutoFit/>
+          </a:bodyPr>
+          <a:lstStyle/>
+          <a:p>
+            <a:r>
+              <a:rPr lang="en-US" sz="1400" b="1" dirty="0" smtClean="0">
+                <a:ln w="0"/>
+                <a:solidFill>
+                  <a:srgbClr val="92D050"/>
+                </a:solidFill>
+                <a:effectLst>
+                  <a:outerShdw blurRad="38100" dist="19050" dir="2700000" algn="tl" rotWithShape="0">
+                    <a:schemeClr val="dk1">
+                      <a:alpha val="40000"/>
+                    </a:schemeClr>
+                  </a:outerShdw>
+                </a:effectLst>
+              </a:rPr>
+              <a:t>MOVE RIGHT</a:t>
+            </a:r>
+            <a:endParaRPr lang="en-US" sz="1400" b="1" dirty="0">
+              <a:ln w="0"/>
+              <a:solidFill>
+                <a:srgbClr val="92D050"/>
+              </a:solidFill>
+              <a:effectLst>
+                <a:outerShdw blurRad="38100" dist="19050" dir="2700000" algn="tl" rotWithShape="0">
+                  <a:schemeClr val="dk1">
+                    <a:alpha val="40000"/>
+                  </a:schemeClr>
+                </a:outerShdw>
+              </a:effectLst>
+            </a:endParaRPr>
+          </a:p>
+        </p:txBody>
+      </p:sp>
+      <p:sp>
+        <p:nvSpPr>
+          <p:cNvPr id="26" name="Rectangle 25"/>
+          <p:cNvSpPr/>
+          <p:nvPr/>
+        </p:nvSpPr>
+        <p:spPr>
+          <a:xfrm>
+            <a:off x="419399" y="3028716"/>
+            <a:ext cx="412292" cy="369332"/>
+          </a:xfrm>
+          <a:prstGeom prst="rect">
+            <a:avLst/>
+          </a:prstGeom>
+          <a:ln w="25400">
+            <a:solidFill>
+              <a:srgbClr val="92D050"/>
+            </a:solidFill>
+          </a:ln>
+          <a:effectLst>
+            <a:glow rad="63500">
+              <a:srgbClr val="92D050"/>
+            </a:glow>
+            <a:outerShdw blurRad="50800" dir="5400000" algn="t" rotWithShape="0">
+              <a:prstClr val="black">
+                <a:alpha val="40000"/>
+              </a:prstClr>
+            </a:outerShdw>
+            <a:softEdge rad="0"/>
+          </a:effectLst>
+          <a:scene3d>
+            <a:camera prst="orthographicFront"/>
+            <a:lightRig rig="threePt" dir="t"/>
+          </a:scene3d>
+          <a:sp3d>
+            <a:bevelT w="31750" h="95250" prst="angle"/>
+          </a:sp3d>
+        </p:spPr>
+        <p:txBody>
+          <a:bodyPr wrap="square">
+            <a:spAutoFit/>
+          </a:bodyPr>
+          <a:lstStyle/>
+          <a:p>
+            <a:pPr algn="ctr"/>
+            <a:r>
+              <a:rPr lang="en-US" b="1" dirty="0" smtClean="0">
+                <a:ln w="0"/>
+                <a:solidFill>
+                  <a:srgbClr val="92D050"/>
+                </a:solidFill>
+                <a:effectLst>
+                  <a:outerShdw blurRad="38100" dist="19050" dir="2700000" algn="tl" rotWithShape="0">
+                    <a:schemeClr val="dk1">
+                      <a:alpha val="40000"/>
+                    </a:schemeClr>
+                  </a:outerShdw>
+                </a:effectLst>
+              </a:rPr>
+              <a:t>A </a:t>
+            </a:r>
+            <a:endParaRPr lang="en-US" b="1" dirty="0">
+              <a:ln w="0"/>
+              <a:solidFill>
+                <a:srgbClr val="92D050"/>
+              </a:solidFill>
+              <a:effectLst>
+                <a:outerShdw blurRad="38100" dist="19050" dir="2700000" algn="tl" rotWithShape="0">
+                  <a:schemeClr val="dk1">
+                    <a:alpha val="40000"/>
+                  </a:schemeClr>
+                </a:outerShdw>
+              </a:effectLst>
+            </a:endParaRPr>
+          </a:p>
+        </p:txBody>
+      </p:sp>
+      <p:sp>
+        <p:nvSpPr>
+          <p:cNvPr id="27" name="Rectangle 26"/>
+          <p:cNvSpPr/>
+          <p:nvPr/>
+        </p:nvSpPr>
+        <p:spPr>
+          <a:xfrm>
+            <a:off x="920018" y="3059493"/>
+            <a:ext cx="407484" cy="307777"/>
+          </a:xfrm>
+          <a:prstGeom prst="rect">
+            <a:avLst/>
+          </a:prstGeom>
+          <a:effectLst>
+            <a:glow rad="127000">
+              <a:schemeClr val="accent1"/>
+            </a:glow>
+            <a:outerShdw blurRad="50800" dir="5400000" algn="t" rotWithShape="0">
+              <a:prstClr val="black">
+                <a:alpha val="40000"/>
+              </a:prstClr>
+            </a:outerShdw>
+            <a:softEdge rad="0"/>
+          </a:effectLst>
+          <a:scene3d>
+            <a:camera prst="orthographicFront"/>
+            <a:lightRig rig="threePt" dir="t"/>
+          </a:scene3d>
+          <a:sp3d>
+            <a:bevelT w="31750" h="95250" prst="angle"/>
+          </a:sp3d>
+        </p:spPr>
+        <p:txBody>
+          <a:bodyPr wrap="none">
+            <a:spAutoFit/>
+          </a:bodyPr>
+          <a:lstStyle/>
+          <a:p>
+            <a:pPr algn="ctr"/>
+            <a:r>
+              <a:rPr lang="en-US" sz="1400" b="1" dirty="0" smtClean="0">
+                <a:ln w="0"/>
+                <a:solidFill>
+                  <a:srgbClr val="92D050"/>
+                </a:solidFill>
+                <a:effectLst>
+                  <a:outerShdw blurRad="38100" dist="19050" dir="2700000" algn="tl" rotWithShape="0">
+                    <a:schemeClr val="dk1">
+                      <a:alpha val="40000"/>
+                    </a:schemeClr>
+                  </a:outerShdw>
+                </a:effectLst>
+              </a:rPr>
+              <a:t>OR</a:t>
+            </a:r>
+            <a:endParaRPr lang="en-US" sz="1400" b="1" dirty="0">
+              <a:ln w="0"/>
+              <a:solidFill>
+                <a:srgbClr val="92D050"/>
+              </a:solidFill>
+              <a:effectLst>
+                <a:outerShdw blurRad="38100" dist="19050" dir="2700000" algn="tl" rotWithShape="0">
+                  <a:schemeClr val="dk1">
+                    <a:alpha val="40000"/>
+                  </a:schemeClr>
+                </a:outerShdw>
+              </a:effectLst>
+            </a:endParaRPr>
+          </a:p>
+        </p:txBody>
+      </p:sp>
+      <p:sp>
+        <p:nvSpPr>
+          <p:cNvPr id="28" name="Rectangle 27"/>
+          <p:cNvSpPr/>
+          <p:nvPr/>
+        </p:nvSpPr>
+        <p:spPr>
+          <a:xfrm>
+            <a:off x="1420108" y="3028715"/>
+            <a:ext cx="396263" cy="369332"/>
+          </a:xfrm>
+          <a:prstGeom prst="rect">
+            <a:avLst/>
+          </a:prstGeom>
+          <a:ln w="25400">
+            <a:solidFill>
+              <a:srgbClr val="92D050"/>
+            </a:solidFill>
+          </a:ln>
+          <a:effectLst>
+            <a:glow rad="63500">
+              <a:srgbClr val="92D050"/>
+            </a:glow>
+            <a:outerShdw blurRad="50800" dir="5400000" algn="t" rotWithShape="0">
+              <a:prstClr val="black">
+                <a:alpha val="40000"/>
+              </a:prstClr>
+            </a:outerShdw>
+            <a:softEdge rad="0"/>
+          </a:effectLst>
+          <a:scene3d>
+            <a:camera prst="orthographicFront"/>
+            <a:lightRig rig="threePt" dir="t"/>
+          </a:scene3d>
+          <a:sp3d>
+            <a:bevelT w="31750" h="95250" prst="angle"/>
+          </a:sp3d>
+        </p:spPr>
+        <p:txBody>
+          <a:bodyPr wrap="none">
+            <a:spAutoFit/>
+          </a:bodyPr>
+          <a:lstStyle/>
+          <a:p>
+            <a:pPr algn="ctr"/>
+            <a:r>
+              <a:rPr lang="en-US" b="1" dirty="0" smtClean="0">
+                <a:ln w="0"/>
+                <a:solidFill>
+                  <a:srgbClr val="92D050"/>
+                </a:solidFill>
+                <a:effectLst>
+                  <a:outerShdw blurRad="38100" dist="19050" dir="2700000" algn="tl" rotWithShape="0">
+                    <a:schemeClr val="dk1">
+                      <a:alpha val="40000"/>
+                    </a:schemeClr>
+                  </a:outerShdw>
+                </a:effectLst>
+              </a:rPr>
+              <a:t>    </a:t>
+            </a:r>
+            <a:endParaRPr lang="en-US" b="1" dirty="0">
+              <a:ln w="0"/>
+              <a:solidFill>
+                <a:srgbClr val="92D050"/>
+              </a:solidFill>
+              <a:effectLst>
+                <a:outerShdw blurRad="38100" dist="19050" dir="2700000" algn="tl" rotWithShape="0">
+                  <a:schemeClr val="dk1">
+                    <a:alpha val="40000"/>
+                  </a:schemeClr>
+                </a:outerShdw>
+              </a:effectLst>
+            </a:endParaRPr>
+          </a:p>
+        </p:txBody>
+      </p:sp>
+      <p:sp>
+        <p:nvSpPr>
+          <p:cNvPr id="29" name="Isosceles Triangle 28"/>
+          <p:cNvSpPr/>
+          <p:nvPr/>
+        </p:nvSpPr>
+        <p:spPr>
+          <a:xfrm rot="16200000">
+            <a:off x="1546683" y="3133669"/>
+            <a:ext cx="138568" cy="162588"/>
+          </a:xfrm>
+          <a:prstGeom prst="triangle">
+            <a:avLst/>
+          </a:prstGeom>
+          <a:solidFill>
+            <a:srgbClr val="92D050"/>
+          </a:solidFill>
+          <a:ln>
+            <a:solidFill>
+              <a:srgbClr val="92D050"/>
+            </a:solidFill>
+          </a:ln>
+        </p:spPr>
+        <p:style>
+          <a:lnRef idx="2">
+            <a:schemeClr val="accent1">
+              <a:shade val="50000"/>
+            </a:schemeClr>
+          </a:lnRef>
+          <a:fillRef idx="1">
+            <a:schemeClr val="accent1"/>
+          </a:fillRef>
+          <a:effectRef idx="0">
+            <a:schemeClr val="accent1"/>
+          </a:effectRef>
+          <a:fontRef idx="minor">
+            <a:schemeClr val="lt1"/>
+          </a:fontRef>
+        </p:style>
+        <p:txBody>
+          <a:bodyPr rtlCol="0" anchor="ctr"/>
+          <a:lstStyle/>
+          <a:p>
+            <a:pPr algn="ctr"/>
+            <a:endParaRPr lang="en-CA"/>
+          </a:p>
+        </p:txBody>
+      </p:sp>
+      <p:sp>
+        <p:nvSpPr>
+          <p:cNvPr id="30" name="Rectangle 29"/>
+          <p:cNvSpPr/>
+          <p:nvPr/>
+        </p:nvSpPr>
+        <p:spPr>
+          <a:xfrm>
+            <a:off x="1962455" y="3059493"/>
+            <a:ext cx="1027974" cy="307777"/>
+          </a:xfrm>
+          <a:prstGeom prst="rect">
+            <a:avLst/>
+          </a:prstGeom>
+          <a:effectLst>
+            <a:glow rad="127000">
+              <a:schemeClr val="accent1"/>
+            </a:glow>
+            <a:outerShdw blurRad="50800" dir="5400000" algn="t" rotWithShape="0">
+              <a:prstClr val="black">
+                <a:alpha val="40000"/>
+              </a:prstClr>
+            </a:outerShdw>
+            <a:softEdge rad="0"/>
+          </a:effectLst>
+          <a:scene3d>
+            <a:camera prst="orthographicFront"/>
+            <a:lightRig rig="threePt" dir="t"/>
+          </a:scene3d>
+          <a:sp3d>
+            <a:bevelT w="31750" h="95250" prst="angle"/>
+          </a:sp3d>
+        </p:spPr>
+        <p:txBody>
+          <a:bodyPr wrap="none">
+            <a:spAutoFit/>
+          </a:bodyPr>
+          <a:lstStyle/>
+          <a:p>
+            <a:r>
+              <a:rPr lang="en-US" sz="1400" b="1" dirty="0" smtClean="0">
+                <a:ln w="0"/>
+                <a:solidFill>
+                  <a:srgbClr val="92D050"/>
+                </a:solidFill>
+                <a:effectLst>
+                  <a:outerShdw blurRad="38100" dist="19050" dir="2700000" algn="tl" rotWithShape="0">
+                    <a:schemeClr val="dk1">
+                      <a:alpha val="40000"/>
+                    </a:schemeClr>
+                  </a:outerShdw>
+                </a:effectLst>
+              </a:rPr>
+              <a:t>MOVE LEFT</a:t>
+            </a:r>
+            <a:endParaRPr lang="en-US" sz="1400" b="1" dirty="0">
+              <a:ln w="0"/>
+              <a:solidFill>
+                <a:srgbClr val="92D050"/>
+              </a:solidFill>
+              <a:effectLst>
+                <a:outerShdw blurRad="38100" dist="19050" dir="2700000" algn="tl" rotWithShape="0">
+                  <a:schemeClr val="dk1">
+                    <a:alpha val="40000"/>
+                  </a:schemeClr>
+                </a:outerShdw>
+              </a:effectLst>
+            </a:endParaRPr>
+          </a:p>
+        </p:txBody>
+      </p:sp>
+      <p:sp>
+        <p:nvSpPr>
+          <p:cNvPr id="31" name="Rectangle 30"/>
+          <p:cNvSpPr/>
+          <p:nvPr/>
+        </p:nvSpPr>
+        <p:spPr>
+          <a:xfrm>
+            <a:off x="3246679" y="1917733"/>
+            <a:ext cx="1014919" cy="307777"/>
+          </a:xfrm>
+          <a:prstGeom prst="rect">
+            <a:avLst/>
+          </a:prstGeom>
+          <a:ln w="25400">
+            <a:solidFill>
+              <a:srgbClr val="92D050"/>
+            </a:solidFill>
+          </a:ln>
+          <a:effectLst>
+            <a:glow rad="63500">
+              <a:srgbClr val="92D050"/>
+            </a:glow>
+            <a:outerShdw blurRad="50800" dir="5400000" algn="t" rotWithShape="0">
+              <a:prstClr val="black">
+                <a:alpha val="40000"/>
+              </a:prstClr>
+            </a:outerShdw>
+            <a:softEdge rad="0"/>
+          </a:effectLst>
+          <a:scene3d>
+            <a:camera prst="orthographicFront"/>
+            <a:lightRig rig="threePt" dir="t"/>
+          </a:scene3d>
+          <a:sp3d>
+            <a:bevelT w="31750" h="95250" prst="angle"/>
+          </a:sp3d>
+        </p:spPr>
+        <p:txBody>
+          <a:bodyPr wrap="square">
+            <a:spAutoFit/>
+          </a:bodyPr>
+          <a:lstStyle/>
+          <a:p>
+            <a:pPr algn="ctr"/>
+            <a:r>
+              <a:rPr lang="en-US" sz="1400" b="1" dirty="0" smtClean="0">
+                <a:ln w="0"/>
+                <a:solidFill>
+                  <a:srgbClr val="92D050"/>
+                </a:solidFill>
+                <a:effectLst>
+                  <a:outerShdw blurRad="38100" dist="19050" dir="2700000" algn="tl" rotWithShape="0">
+                    <a:schemeClr val="dk1">
+                      <a:alpha val="40000"/>
+                    </a:schemeClr>
+                  </a:outerShdw>
+                </a:effectLst>
+              </a:rPr>
+              <a:t>SPACE BAR </a:t>
+            </a:r>
+            <a:endParaRPr lang="en-US" sz="1400" b="1" dirty="0">
+              <a:ln w="0"/>
+              <a:solidFill>
+                <a:srgbClr val="92D050"/>
+              </a:solidFill>
+              <a:effectLst>
+                <a:outerShdw blurRad="38100" dist="19050" dir="2700000" algn="tl" rotWithShape="0">
+                  <a:schemeClr val="dk1">
+                    <a:alpha val="40000"/>
+                  </a:schemeClr>
+                </a:outerShdw>
+              </a:effectLst>
+            </a:endParaRPr>
+          </a:p>
+        </p:txBody>
+      </p:sp>
+      <p:sp>
+        <p:nvSpPr>
+          <p:cNvPr id="32" name="Rectangle 31"/>
+          <p:cNvSpPr/>
+          <p:nvPr/>
+        </p:nvSpPr>
+        <p:spPr>
+          <a:xfrm>
+            <a:off x="4300512" y="1932587"/>
+            <a:ext cx="1487202" cy="307777"/>
+          </a:xfrm>
+          <a:prstGeom prst="rect">
+            <a:avLst/>
+          </a:prstGeom>
+          <a:effectLst>
+            <a:glow rad="127000">
+              <a:schemeClr val="accent1"/>
+            </a:glow>
+            <a:outerShdw blurRad="50800" dir="5400000" algn="t" rotWithShape="0">
+              <a:prstClr val="black">
+                <a:alpha val="40000"/>
+              </a:prstClr>
+            </a:outerShdw>
+            <a:softEdge rad="0"/>
+          </a:effectLst>
+          <a:scene3d>
+            <a:camera prst="orthographicFront"/>
+            <a:lightRig rig="threePt" dir="t"/>
+          </a:scene3d>
+          <a:sp3d>
+            <a:bevelT w="31750" h="95250" prst="angle"/>
+          </a:sp3d>
+        </p:spPr>
+        <p:txBody>
+          <a:bodyPr wrap="none">
+            <a:spAutoFit/>
+          </a:bodyPr>
+          <a:lstStyle/>
+          <a:p>
+            <a:r>
+              <a:rPr lang="en-US" sz="1400" b="1" dirty="0" smtClean="0">
+                <a:ln w="0"/>
+                <a:solidFill>
+                  <a:srgbClr val="92D050"/>
+                </a:solidFill>
+                <a:effectLst>
+                  <a:outerShdw blurRad="38100" dist="19050" dir="2700000" algn="tl" rotWithShape="0">
+                    <a:schemeClr val="dk1">
+                      <a:alpha val="40000"/>
+                    </a:schemeClr>
+                  </a:outerShdw>
+                </a:effectLst>
+              </a:rPr>
+              <a:t>PRE-INFECT AREA</a:t>
+            </a:r>
+            <a:endParaRPr lang="en-US" sz="1400" b="1" dirty="0">
+              <a:ln w="0"/>
+              <a:solidFill>
+                <a:srgbClr val="92D050"/>
+              </a:solidFill>
+              <a:effectLst>
+                <a:outerShdw blurRad="38100" dist="19050" dir="2700000" algn="tl" rotWithShape="0">
+                  <a:schemeClr val="dk1">
+                    <a:alpha val="40000"/>
+                  </a:schemeClr>
+                </a:outerShdw>
+              </a:effectLst>
+            </a:endParaRPr>
+          </a:p>
+        </p:txBody>
+      </p:sp>
+      <p:sp>
+        <p:nvSpPr>
+          <p:cNvPr id="33" name="Rectangle 32"/>
+          <p:cNvSpPr/>
+          <p:nvPr/>
+        </p:nvSpPr>
+        <p:spPr>
+          <a:xfrm>
+            <a:off x="3384161" y="2459702"/>
+            <a:ext cx="412292" cy="369332"/>
+          </a:xfrm>
+          <a:prstGeom prst="rect">
+            <a:avLst/>
+          </a:prstGeom>
+          <a:ln w="25400">
+            <a:solidFill>
+              <a:srgbClr val="92D050"/>
+            </a:solidFill>
+          </a:ln>
+          <a:effectLst>
+            <a:glow rad="63500">
+              <a:srgbClr val="92D050"/>
+            </a:glow>
+            <a:outerShdw blurRad="50800" dir="5400000" algn="t" rotWithShape="0">
+              <a:prstClr val="black">
+                <a:alpha val="40000"/>
+              </a:prstClr>
+            </a:outerShdw>
+            <a:softEdge rad="0"/>
+          </a:effectLst>
+          <a:scene3d>
+            <a:camera prst="orthographicFront"/>
+            <a:lightRig rig="threePt" dir="t"/>
+          </a:scene3d>
+          <a:sp3d>
+            <a:bevelT w="31750" h="95250" prst="angle"/>
+          </a:sp3d>
+        </p:spPr>
+        <p:txBody>
+          <a:bodyPr wrap="square">
+            <a:spAutoFit/>
+          </a:bodyPr>
+          <a:lstStyle/>
+          <a:p>
+            <a:pPr algn="ctr"/>
+            <a:r>
+              <a:rPr lang="en-US" b="1" dirty="0" smtClean="0">
+                <a:ln w="0"/>
+                <a:solidFill>
+                  <a:srgbClr val="92D050"/>
+                </a:solidFill>
+                <a:effectLst>
+                  <a:outerShdw blurRad="38100" dist="19050" dir="2700000" algn="tl" rotWithShape="0">
+                    <a:schemeClr val="dk1">
+                      <a:alpha val="40000"/>
+                    </a:schemeClr>
+                  </a:outerShdw>
+                </a:effectLst>
+              </a:rPr>
+              <a:t>M </a:t>
+            </a:r>
+            <a:endParaRPr lang="en-US" b="1" dirty="0">
+              <a:ln w="0"/>
+              <a:solidFill>
+                <a:srgbClr val="92D050"/>
+              </a:solidFill>
+              <a:effectLst>
+                <a:outerShdw blurRad="38100" dist="19050" dir="2700000" algn="tl" rotWithShape="0">
+                  <a:schemeClr val="dk1">
+                    <a:alpha val="40000"/>
+                  </a:schemeClr>
+                </a:outerShdw>
+              </a:effectLst>
+            </a:endParaRPr>
+          </a:p>
+        </p:txBody>
+      </p:sp>
+      <p:sp>
+        <p:nvSpPr>
+          <p:cNvPr id="34" name="Rectangle 33"/>
+          <p:cNvSpPr/>
+          <p:nvPr/>
+        </p:nvSpPr>
+        <p:spPr>
+          <a:xfrm>
+            <a:off x="3936480" y="2381446"/>
+            <a:ext cx="1427763" cy="523220"/>
+          </a:xfrm>
+          <a:prstGeom prst="rect">
+            <a:avLst/>
+          </a:prstGeom>
+          <a:effectLst>
+            <a:glow rad="127000">
+              <a:schemeClr val="accent1"/>
+            </a:glow>
+            <a:outerShdw blurRad="50800" dir="5400000" algn="t" rotWithShape="0">
+              <a:prstClr val="black">
+                <a:alpha val="40000"/>
+              </a:prstClr>
+            </a:outerShdw>
+            <a:softEdge rad="0"/>
+          </a:effectLst>
+          <a:scene3d>
+            <a:camera prst="orthographicFront"/>
+            <a:lightRig rig="threePt" dir="t"/>
+          </a:scene3d>
+          <a:sp3d>
+            <a:bevelT w="31750" h="95250" prst="angle"/>
+          </a:sp3d>
+        </p:spPr>
+        <p:txBody>
+          <a:bodyPr wrap="none">
+            <a:spAutoFit/>
+          </a:bodyPr>
+          <a:lstStyle/>
+          <a:p>
+            <a:r>
+              <a:rPr lang="en-US" sz="1400" b="1" dirty="0" smtClean="0">
+                <a:ln w="0"/>
+                <a:solidFill>
+                  <a:srgbClr val="92D050"/>
+                </a:solidFill>
+                <a:effectLst>
+                  <a:outerShdw blurRad="38100" dist="19050" dir="2700000" algn="tl" rotWithShape="0">
+                    <a:schemeClr val="dk1">
+                      <a:alpha val="40000"/>
+                    </a:schemeClr>
+                  </a:outerShdw>
+                </a:effectLst>
+              </a:rPr>
+              <a:t>IMMUNIZATION </a:t>
+            </a:r>
+            <a:endParaRPr lang="en-US" sz="1400" b="1" dirty="0" smtClean="0">
+              <a:ln w="0"/>
+              <a:solidFill>
+                <a:srgbClr val="92D050"/>
+              </a:solidFill>
+              <a:effectLst>
+                <a:outerShdw blurRad="38100" dist="19050" dir="2700000" algn="tl" rotWithShape="0">
+                  <a:schemeClr val="dk1">
+                    <a:alpha val="40000"/>
+                  </a:schemeClr>
+                </a:outerShdw>
+              </a:effectLst>
+            </a:endParaRPr>
+          </a:p>
+          <a:p>
+            <a:r>
+              <a:rPr lang="en-US" sz="1400" b="1" dirty="0" smtClean="0">
+                <a:ln w="0"/>
+                <a:solidFill>
+                  <a:srgbClr val="92D050"/>
+                </a:solidFill>
+                <a:effectLst>
+                  <a:outerShdw blurRad="38100" dist="19050" dir="2700000" algn="tl" rotWithShape="0">
+                    <a:schemeClr val="dk1">
+                      <a:alpha val="40000"/>
+                    </a:schemeClr>
+                  </a:outerShdw>
+                </a:effectLst>
+              </a:rPr>
+              <a:t>INITIALIZE</a:t>
+            </a:r>
+            <a:endParaRPr lang="en-US" sz="1400" b="1" dirty="0">
+              <a:ln w="0"/>
+              <a:solidFill>
+                <a:srgbClr val="92D050"/>
+              </a:solidFill>
+              <a:effectLst>
+                <a:outerShdw blurRad="38100" dist="19050" dir="2700000" algn="tl" rotWithShape="0">
+                  <a:schemeClr val="dk1">
+                    <a:alpha val="40000"/>
+                  </a:schemeClr>
+                </a:outerShdw>
+              </a:effectLst>
+            </a:endParaRPr>
+          </a:p>
+        </p:txBody>
+      </p:sp>
+      <p:pic>
+        <p:nvPicPr>
+          <p:cNvPr id="35" name="Picture 34"/>
+          <p:cNvPicPr>
+            <a:picLocks noChangeAspect="1"/>
+          </p:cNvPicPr>
+          <p:nvPr/>
+        </p:nvPicPr>
+        <p:blipFill>
+          <a:blip r:embed="rId3"/>
+          <a:stretch>
+            <a:fillRect/>
+          </a:stretch>
+        </p:blipFill>
+        <p:spPr>
+          <a:xfrm>
+            <a:off x="1894215" y="3757397"/>
+            <a:ext cx="325908" cy="480285"/>
+          </a:xfrm>
+          <a:prstGeom prst="rect">
+            <a:avLst/>
+          </a:prstGeom>
+        </p:spPr>
+      </p:pic>
+      <p:sp>
+        <p:nvSpPr>
+          <p:cNvPr id="37" name="Rectangle 36"/>
+          <p:cNvSpPr/>
+          <p:nvPr/>
+        </p:nvSpPr>
+        <p:spPr>
+          <a:xfrm>
+            <a:off x="2870204" y="3831747"/>
+            <a:ext cx="1205010" cy="307777"/>
+          </a:xfrm>
+          <a:prstGeom prst="rect">
+            <a:avLst/>
+          </a:prstGeom>
+          <a:effectLst>
+            <a:glow rad="127000">
+              <a:schemeClr val="accent1"/>
+            </a:glow>
+            <a:outerShdw blurRad="50800" dir="5400000" algn="t" rotWithShape="0">
+              <a:prstClr val="black">
+                <a:alpha val="40000"/>
+              </a:prstClr>
+            </a:outerShdw>
+            <a:softEdge rad="0"/>
+          </a:effectLst>
+          <a:scene3d>
+            <a:camera prst="orthographicFront"/>
+            <a:lightRig rig="threePt" dir="t"/>
+          </a:scene3d>
+          <a:sp3d>
+            <a:bevelT w="31750" h="95250" prst="angle"/>
+          </a:sp3d>
+        </p:spPr>
+        <p:txBody>
+          <a:bodyPr wrap="none">
+            <a:spAutoFit/>
+          </a:bodyPr>
+          <a:lstStyle/>
+          <a:p>
+            <a:r>
+              <a:rPr lang="en-US" sz="1400" b="1" dirty="0" smtClean="0">
+                <a:ln w="0"/>
+                <a:solidFill>
+                  <a:srgbClr val="92D050"/>
+                </a:solidFill>
+                <a:effectLst>
+                  <a:outerShdw blurRad="38100" dist="19050" dir="2700000" algn="tl" rotWithShape="0">
+                    <a:schemeClr val="dk1">
+                      <a:alpha val="40000"/>
+                    </a:schemeClr>
+                  </a:outerShdw>
+                </a:effectLst>
+              </a:rPr>
+              <a:t>SHOOT SLIME</a:t>
+            </a:r>
+            <a:endParaRPr lang="en-US" sz="1400" b="1" dirty="0">
+              <a:ln w="0"/>
+              <a:solidFill>
+                <a:srgbClr val="92D050"/>
+              </a:solidFill>
+              <a:effectLst>
+                <a:outerShdw blurRad="38100" dist="19050" dir="2700000" algn="tl" rotWithShape="0">
+                  <a:schemeClr val="dk1">
+                    <a:alpha val="40000"/>
+                  </a:schemeClr>
+                </a:outerShdw>
+              </a:effectLst>
+            </a:endParaRPr>
+          </a:p>
+        </p:txBody>
+      </p:sp>
+      <p:sp>
+        <p:nvSpPr>
+          <p:cNvPr id="38" name="Rectangle 37"/>
+          <p:cNvSpPr/>
+          <p:nvPr/>
+        </p:nvSpPr>
+        <p:spPr>
+          <a:xfrm>
+            <a:off x="1316880" y="4431877"/>
+            <a:ext cx="412292" cy="369332"/>
+          </a:xfrm>
+          <a:prstGeom prst="rect">
+            <a:avLst/>
+          </a:prstGeom>
+          <a:ln w="25400">
+            <a:solidFill>
+              <a:srgbClr val="92D050"/>
+            </a:solidFill>
+          </a:ln>
+          <a:effectLst>
+            <a:glow rad="63500">
+              <a:srgbClr val="92D050"/>
+            </a:glow>
+            <a:outerShdw blurRad="50800" dir="5400000" algn="t" rotWithShape="0">
+              <a:prstClr val="black">
+                <a:alpha val="40000"/>
+              </a:prstClr>
+            </a:outerShdw>
+            <a:softEdge rad="0"/>
+          </a:effectLst>
+          <a:scene3d>
+            <a:camera prst="orthographicFront"/>
+            <a:lightRig rig="threePt" dir="t"/>
+          </a:scene3d>
+          <a:sp3d>
+            <a:bevelT w="31750" h="95250" prst="angle"/>
+          </a:sp3d>
+        </p:spPr>
+        <p:txBody>
+          <a:bodyPr wrap="square">
+            <a:spAutoFit/>
+          </a:bodyPr>
+          <a:lstStyle/>
+          <a:p>
+            <a:pPr algn="ctr"/>
+            <a:r>
+              <a:rPr lang="en-US" b="1" dirty="0">
+                <a:ln w="0"/>
+                <a:solidFill>
+                  <a:srgbClr val="92D050"/>
+                </a:solidFill>
+                <a:effectLst>
+                  <a:outerShdw blurRad="38100" dist="19050" dir="2700000" algn="tl" rotWithShape="0">
+                    <a:schemeClr val="dk1">
+                      <a:alpha val="40000"/>
+                    </a:schemeClr>
+                  </a:outerShdw>
+                </a:effectLst>
+              </a:rPr>
+              <a:t>R</a:t>
+            </a:r>
+          </a:p>
+        </p:txBody>
+      </p:sp>
+      <p:sp>
+        <p:nvSpPr>
+          <p:cNvPr id="39" name="Rectangle 38"/>
+          <p:cNvSpPr/>
+          <p:nvPr/>
+        </p:nvSpPr>
+        <p:spPr>
+          <a:xfrm>
+            <a:off x="1810987" y="4462654"/>
+            <a:ext cx="407484" cy="307777"/>
+          </a:xfrm>
+          <a:prstGeom prst="rect">
+            <a:avLst/>
+          </a:prstGeom>
+          <a:effectLst>
+            <a:glow rad="127000">
+              <a:schemeClr val="accent1"/>
+            </a:glow>
+            <a:outerShdw blurRad="50800" dir="5400000" algn="t" rotWithShape="0">
+              <a:prstClr val="black">
+                <a:alpha val="40000"/>
+              </a:prstClr>
+            </a:outerShdw>
+            <a:softEdge rad="0"/>
+          </a:effectLst>
+          <a:scene3d>
+            <a:camera prst="orthographicFront"/>
+            <a:lightRig rig="threePt" dir="t"/>
+          </a:scene3d>
+          <a:sp3d>
+            <a:bevelT w="31750" h="95250" prst="angle"/>
+          </a:sp3d>
+        </p:spPr>
+        <p:txBody>
+          <a:bodyPr wrap="none">
+            <a:spAutoFit/>
+          </a:bodyPr>
+          <a:lstStyle/>
+          <a:p>
+            <a:pPr algn="ctr"/>
+            <a:r>
+              <a:rPr lang="en-US" sz="1400" b="1" dirty="0" smtClean="0">
+                <a:ln w="0"/>
+                <a:solidFill>
+                  <a:srgbClr val="92D050"/>
+                </a:solidFill>
+                <a:effectLst>
+                  <a:outerShdw blurRad="38100" dist="19050" dir="2700000" algn="tl" rotWithShape="0">
+                    <a:schemeClr val="dk1">
+                      <a:alpha val="40000"/>
+                    </a:schemeClr>
+                  </a:outerShdw>
+                </a:effectLst>
+              </a:rPr>
+              <a:t>OR</a:t>
+            </a:r>
+            <a:endParaRPr lang="en-US" sz="1400" b="1" dirty="0">
+              <a:ln w="0"/>
+              <a:solidFill>
+                <a:srgbClr val="92D050"/>
+              </a:solidFill>
+              <a:effectLst>
+                <a:outerShdw blurRad="38100" dist="19050" dir="2700000" algn="tl" rotWithShape="0">
+                  <a:schemeClr val="dk1">
+                    <a:alpha val="40000"/>
+                  </a:schemeClr>
+                </a:outerShdw>
+              </a:effectLst>
+            </a:endParaRPr>
+          </a:p>
+        </p:txBody>
+      </p:sp>
+      <p:sp>
+        <p:nvSpPr>
+          <p:cNvPr id="40" name="Rectangle 39"/>
+          <p:cNvSpPr/>
+          <p:nvPr/>
+        </p:nvSpPr>
+        <p:spPr>
+          <a:xfrm>
+            <a:off x="2307872" y="4431876"/>
+            <a:ext cx="402674" cy="369332"/>
+          </a:xfrm>
+          <a:prstGeom prst="rect">
+            <a:avLst/>
+          </a:prstGeom>
+          <a:ln w="25400">
+            <a:solidFill>
+              <a:srgbClr val="92D050"/>
+            </a:solidFill>
+          </a:ln>
+          <a:effectLst>
+            <a:glow rad="63500">
+              <a:srgbClr val="92D050"/>
+            </a:glow>
+            <a:outerShdw blurRad="50800" dir="5400000" algn="t" rotWithShape="0">
+              <a:prstClr val="black">
+                <a:alpha val="40000"/>
+              </a:prstClr>
+            </a:outerShdw>
+            <a:softEdge rad="0"/>
+          </a:effectLst>
+          <a:scene3d>
+            <a:camera prst="orthographicFront"/>
+            <a:lightRig rig="threePt" dir="t"/>
+          </a:scene3d>
+          <a:sp3d>
+            <a:bevelT w="31750" h="95250" prst="angle"/>
+          </a:sp3d>
+        </p:spPr>
+        <p:txBody>
+          <a:bodyPr wrap="none">
+            <a:spAutoFit/>
+          </a:bodyPr>
+          <a:lstStyle/>
+          <a:p>
+            <a:pPr algn="ctr"/>
+            <a:r>
+              <a:rPr lang="en-US" b="1" dirty="0" smtClean="0">
+                <a:ln w="0"/>
+                <a:solidFill>
+                  <a:srgbClr val="92D050"/>
+                </a:solidFill>
+                <a:effectLst>
+                  <a:outerShdw blurRad="38100" dist="19050" dir="2700000" algn="tl" rotWithShape="0">
+                    <a:schemeClr val="dk1">
+                      <a:alpha val="40000"/>
+                    </a:schemeClr>
+                  </a:outerShdw>
+                </a:effectLst>
+              </a:rPr>
+              <a:t> E </a:t>
+            </a:r>
+            <a:endParaRPr lang="en-US" b="1" dirty="0">
+              <a:ln w="0"/>
+              <a:solidFill>
+                <a:srgbClr val="92D050"/>
+              </a:solidFill>
+              <a:effectLst>
+                <a:outerShdw blurRad="38100" dist="19050" dir="2700000" algn="tl" rotWithShape="0">
+                  <a:schemeClr val="dk1">
+                    <a:alpha val="40000"/>
+                  </a:schemeClr>
+                </a:outerShdw>
+              </a:effectLst>
+            </a:endParaRPr>
+          </a:p>
+        </p:txBody>
+      </p:sp>
+      <p:sp>
+        <p:nvSpPr>
+          <p:cNvPr id="42" name="Rectangle 41"/>
+          <p:cNvSpPr/>
+          <p:nvPr/>
+        </p:nvSpPr>
+        <p:spPr>
+          <a:xfrm>
+            <a:off x="2853424" y="4448862"/>
+            <a:ext cx="2436757" cy="307777"/>
+          </a:xfrm>
+          <a:prstGeom prst="rect">
+            <a:avLst/>
+          </a:prstGeom>
+          <a:effectLst>
+            <a:glow rad="127000">
+              <a:schemeClr val="accent1"/>
+            </a:glow>
+            <a:outerShdw blurRad="50800" dir="5400000" algn="t" rotWithShape="0">
+              <a:prstClr val="black">
+                <a:alpha val="40000"/>
+              </a:prstClr>
+            </a:outerShdw>
+            <a:softEdge rad="0"/>
+          </a:effectLst>
+          <a:scene3d>
+            <a:camera prst="orthographicFront"/>
+            <a:lightRig rig="threePt" dir="t"/>
+          </a:scene3d>
+          <a:sp3d>
+            <a:bevelT w="31750" h="95250" prst="angle"/>
+          </a:sp3d>
+        </p:spPr>
+        <p:txBody>
+          <a:bodyPr wrap="none">
+            <a:spAutoFit/>
+          </a:bodyPr>
+          <a:lstStyle/>
+          <a:p>
+            <a:r>
+              <a:rPr lang="en-US" sz="1400" b="1" dirty="0" smtClean="0">
+                <a:ln w="0"/>
+                <a:solidFill>
+                  <a:srgbClr val="92D050"/>
+                </a:solidFill>
+                <a:effectLst>
+                  <a:outerShdw blurRad="38100" dist="19050" dir="2700000" algn="tl" rotWithShape="0">
+                    <a:schemeClr val="dk1">
+                      <a:alpha val="40000"/>
+                    </a:schemeClr>
+                  </a:outerShdw>
+                </a:effectLst>
+              </a:rPr>
+              <a:t>TELEPORT TO SLIME POSITION</a:t>
+            </a:r>
+            <a:endParaRPr lang="en-US" sz="1400" b="1" dirty="0">
+              <a:ln w="0"/>
+              <a:solidFill>
+                <a:srgbClr val="92D050"/>
+              </a:solidFill>
+              <a:effectLst>
+                <a:outerShdw blurRad="38100" dist="19050" dir="2700000" algn="tl" rotWithShape="0">
+                  <a:schemeClr val="dk1">
+                    <a:alpha val="40000"/>
+                  </a:schemeClr>
+                </a:outerShdw>
+              </a:effectLst>
+            </a:endParaRPr>
+          </a:p>
+        </p:txBody>
+      </p:sp>
+      <p:pic>
+        <p:nvPicPr>
+          <p:cNvPr id="45" name="Picture 44"/>
+          <p:cNvPicPr>
+            <a:picLocks noChangeAspect="1"/>
+          </p:cNvPicPr>
+          <p:nvPr/>
+        </p:nvPicPr>
+        <p:blipFill>
+          <a:blip r:embed="rId2">
+            <a:extLst>
+              <a:ext uri="{28A0092B-C50C-407E-A947-70E740481C1C}">
+                <a14:useLocalDpi xmlns:a14="http://schemas.microsoft.com/office/drawing/2010/main" val="0"/>
+              </a:ext>
+            </a:extLst>
+          </a:blip>
+          <a:stretch>
+            <a:fillRect/>
+          </a:stretch>
+        </p:blipFill>
+        <p:spPr>
+          <a:xfrm>
+            <a:off x="6108363" y="320040"/>
+            <a:ext cx="5715000" cy="5715000"/>
+          </a:xfrm>
+          <a:prstGeom prst="rect">
+            <a:avLst/>
+          </a:prstGeom>
+          <a:ln>
+            <a:noFill/>
+          </a:ln>
+        </p:spPr>
+      </p:pic>
+      <p:sp>
+        <p:nvSpPr>
+          <p:cNvPr id="46" name="Rectangle 45"/>
+          <p:cNvSpPr/>
+          <p:nvPr/>
+        </p:nvSpPr>
+        <p:spPr>
+          <a:xfrm>
+            <a:off x="7060807" y="525174"/>
+            <a:ext cx="4061689" cy="523220"/>
+          </a:xfrm>
+          <a:prstGeom prst="rect">
+            <a:avLst/>
+          </a:prstGeom>
+          <a:effectLst>
+            <a:glow rad="127000">
+              <a:schemeClr val="accent1"/>
+            </a:glow>
+            <a:outerShdw blurRad="50800" dir="5400000" algn="t" rotWithShape="0">
+              <a:prstClr val="black">
+                <a:alpha val="40000"/>
+              </a:prstClr>
+            </a:outerShdw>
+            <a:softEdge rad="0"/>
+          </a:effectLst>
+          <a:scene3d>
+            <a:camera prst="orthographicFront"/>
+            <a:lightRig rig="threePt" dir="t"/>
+          </a:scene3d>
+          <a:sp3d>
+            <a:bevelT w="31750" h="95250" prst="angle"/>
+          </a:sp3d>
+        </p:spPr>
+        <p:txBody>
+          <a:bodyPr wrap="none">
+            <a:spAutoFit/>
+          </a:bodyPr>
+          <a:lstStyle/>
+          <a:p>
+            <a:pPr algn="ctr"/>
+            <a:r>
+              <a:rPr lang="en-US" sz="2800" b="1" dirty="0" smtClean="0">
+                <a:ln w="0"/>
+                <a:solidFill>
+                  <a:srgbClr val="92D050"/>
+                </a:solidFill>
+                <a:effectLst>
+                  <a:outerShdw blurRad="38100" dist="19050" dir="2700000" algn="tl" rotWithShape="0">
+                    <a:schemeClr val="dk1">
+                      <a:alpha val="40000"/>
+                    </a:schemeClr>
+                  </a:outerShdw>
+                </a:effectLst>
+              </a:rPr>
+              <a:t>GAME PLAY INSTRUCTION</a:t>
+            </a:r>
+            <a:endParaRPr lang="en-US" sz="2800" b="1" dirty="0">
+              <a:ln w="0"/>
+              <a:solidFill>
+                <a:srgbClr val="92D050"/>
+              </a:solidFill>
+              <a:effectLst>
+                <a:outerShdw blurRad="38100" dist="19050" dir="2700000" algn="tl" rotWithShape="0">
+                  <a:schemeClr val="dk1">
+                    <a:alpha val="40000"/>
+                  </a:schemeClr>
+                </a:outerShdw>
+              </a:effectLst>
+            </a:endParaRPr>
+          </a:p>
+        </p:txBody>
+      </p:sp>
+      <p:sp>
+        <p:nvSpPr>
+          <p:cNvPr id="51" name="Rectangle 50"/>
+          <p:cNvSpPr/>
+          <p:nvPr/>
+        </p:nvSpPr>
+        <p:spPr>
+          <a:xfrm>
+            <a:off x="6493409" y="1146752"/>
+            <a:ext cx="4750211" cy="307777"/>
+          </a:xfrm>
+          <a:prstGeom prst="rect">
+            <a:avLst/>
+          </a:prstGeom>
+          <a:effectLst>
+            <a:glow rad="127000">
+              <a:schemeClr val="accent1"/>
+            </a:glow>
+            <a:outerShdw blurRad="50800" dir="5400000" algn="t" rotWithShape="0">
+              <a:prstClr val="black">
+                <a:alpha val="40000"/>
+              </a:prstClr>
+            </a:outerShdw>
+            <a:softEdge rad="0"/>
+          </a:effectLst>
+          <a:scene3d>
+            <a:camera prst="orthographicFront"/>
+            <a:lightRig rig="threePt" dir="t"/>
+          </a:scene3d>
+          <a:sp3d>
+            <a:bevelT w="31750" h="95250" prst="angle"/>
+          </a:sp3d>
+        </p:spPr>
+        <p:txBody>
+          <a:bodyPr wrap="none">
+            <a:spAutoFit/>
+          </a:bodyPr>
+          <a:lstStyle/>
+          <a:p>
+            <a:r>
+              <a:rPr lang="en-US" sz="1400" b="1" dirty="0">
+                <a:ln w="0"/>
+                <a:solidFill>
+                  <a:srgbClr val="92D050"/>
+                </a:solidFill>
+                <a:effectLst>
+                  <a:outerShdw blurRad="38100" dist="19050" dir="2700000" algn="tl" rotWithShape="0">
+                    <a:schemeClr val="dk1">
+                      <a:alpha val="40000"/>
+                    </a:schemeClr>
+                  </a:outerShdw>
+                </a:effectLst>
+              </a:rPr>
+              <a:t>1</a:t>
+            </a:r>
+            <a:r>
+              <a:rPr lang="en-US" sz="1400" b="1" dirty="0" smtClean="0">
+                <a:ln w="0"/>
+                <a:solidFill>
+                  <a:srgbClr val="92D050"/>
+                </a:solidFill>
+                <a:effectLst>
+                  <a:outerShdw blurRad="38100" dist="19050" dir="2700000" algn="tl" rotWithShape="0">
+                    <a:schemeClr val="dk1">
+                      <a:alpha val="40000"/>
+                    </a:schemeClr>
+                  </a:outerShdw>
+                </a:effectLst>
+              </a:rPr>
+              <a:t>. THE GOAL IS TO REACH THE TARGET IMMUNE PERCENTAGE</a:t>
+            </a:r>
+            <a:endParaRPr lang="en-US" sz="1400" b="1" dirty="0">
+              <a:ln w="0"/>
+              <a:solidFill>
+                <a:srgbClr val="92D050"/>
+              </a:solidFill>
+              <a:effectLst>
+                <a:outerShdw blurRad="38100" dist="19050" dir="2700000" algn="tl" rotWithShape="0">
+                  <a:schemeClr val="dk1">
+                    <a:alpha val="40000"/>
+                  </a:schemeClr>
+                </a:outerShdw>
+              </a:effectLst>
+            </a:endParaRPr>
+          </a:p>
+        </p:txBody>
+      </p:sp>
+      <p:sp>
+        <p:nvSpPr>
+          <p:cNvPr id="56" name="Rectangle 55"/>
+          <p:cNvSpPr/>
+          <p:nvPr/>
+        </p:nvSpPr>
+        <p:spPr>
+          <a:xfrm>
+            <a:off x="6493409" y="1567329"/>
+            <a:ext cx="4940199" cy="307777"/>
+          </a:xfrm>
+          <a:prstGeom prst="rect">
+            <a:avLst/>
+          </a:prstGeom>
+          <a:effectLst>
+            <a:glow rad="127000">
+              <a:schemeClr val="accent1"/>
+            </a:glow>
+            <a:outerShdw blurRad="50800" dir="5400000" algn="t" rotWithShape="0">
+              <a:prstClr val="black">
+                <a:alpha val="40000"/>
+              </a:prstClr>
+            </a:outerShdw>
+            <a:softEdge rad="0"/>
+          </a:effectLst>
+          <a:scene3d>
+            <a:camera prst="orthographicFront"/>
+            <a:lightRig rig="threePt" dir="t"/>
+          </a:scene3d>
+          <a:sp3d>
+            <a:bevelT w="31750" h="95250" prst="angle"/>
+          </a:sp3d>
+        </p:spPr>
+        <p:txBody>
+          <a:bodyPr wrap="none">
+            <a:spAutoFit/>
+          </a:bodyPr>
+          <a:lstStyle/>
+          <a:p>
+            <a:r>
+              <a:rPr lang="en-US" sz="1400" b="1" dirty="0" smtClean="0">
+                <a:ln w="0"/>
+                <a:solidFill>
+                  <a:srgbClr val="92D050"/>
+                </a:solidFill>
+                <a:effectLst>
+                  <a:outerShdw blurRad="38100" dist="19050" dir="2700000" algn="tl" rotWithShape="0">
+                    <a:schemeClr val="dk1">
+                      <a:alpha val="40000"/>
+                    </a:schemeClr>
+                  </a:outerShdw>
+                </a:effectLst>
+              </a:rPr>
+              <a:t>2. PRE-INFECT THE AREA BY PRESSING THE                             THEN </a:t>
+            </a:r>
+            <a:endParaRPr lang="en-US" sz="1400" b="1" dirty="0">
+              <a:ln w="0"/>
+              <a:solidFill>
+                <a:srgbClr val="92D050"/>
+              </a:solidFill>
+              <a:effectLst>
+                <a:outerShdw blurRad="38100" dist="19050" dir="2700000" algn="tl" rotWithShape="0">
+                  <a:schemeClr val="dk1">
+                    <a:alpha val="40000"/>
+                  </a:schemeClr>
+                </a:outerShdw>
+              </a:effectLst>
+            </a:endParaRPr>
+          </a:p>
+        </p:txBody>
+      </p:sp>
+      <p:sp>
+        <p:nvSpPr>
+          <p:cNvPr id="61" name="Rectangle 60"/>
+          <p:cNvSpPr/>
+          <p:nvPr/>
+        </p:nvSpPr>
+        <p:spPr>
+          <a:xfrm>
+            <a:off x="6691528" y="2180270"/>
+            <a:ext cx="4705071" cy="461665"/>
+          </a:xfrm>
+          <a:prstGeom prst="rect">
+            <a:avLst/>
+          </a:prstGeom>
+          <a:effectLst>
+            <a:glow rad="127000">
+              <a:schemeClr val="accent1"/>
+            </a:glow>
+            <a:outerShdw blurRad="50800" dir="5400000" algn="t" rotWithShape="0">
+              <a:prstClr val="black">
+                <a:alpha val="40000"/>
+              </a:prstClr>
+            </a:outerShdw>
+            <a:softEdge rad="0"/>
+          </a:effectLst>
+          <a:scene3d>
+            <a:camera prst="orthographicFront"/>
+            <a:lightRig rig="threePt" dir="t"/>
+          </a:scene3d>
+          <a:sp3d>
+            <a:bevelT w="31750" h="95250" prst="angle"/>
+          </a:sp3d>
+        </p:spPr>
+        <p:txBody>
+          <a:bodyPr wrap="none">
+            <a:spAutoFit/>
+          </a:bodyPr>
+          <a:lstStyle/>
+          <a:p>
+            <a:r>
+              <a:rPr lang="en-US" sz="1200" b="1" dirty="0" smtClean="0">
+                <a:ln w="0"/>
+                <a:solidFill>
+                  <a:srgbClr val="92D050"/>
+                </a:solidFill>
+                <a:effectLst>
+                  <a:outerShdw blurRad="38100" dist="19050" dir="2700000" algn="tl" rotWithShape="0">
+                    <a:schemeClr val="dk1">
+                      <a:alpha val="40000"/>
+                    </a:schemeClr>
+                  </a:outerShdw>
+                </a:effectLst>
+              </a:rPr>
+              <a:t>2.1 PRE-INFECTED AREA CAN BE ERASED BY </a:t>
+            </a:r>
+            <a:r>
+              <a:rPr lang="en-US" sz="1200" b="1" dirty="0" smtClean="0">
+                <a:ln w="0"/>
+                <a:solidFill>
+                  <a:srgbClr val="92D050"/>
+                </a:solidFill>
+                <a:effectLst>
+                  <a:outerShdw blurRad="38100" dist="19050" dir="2700000" algn="tl" rotWithShape="0">
+                    <a:schemeClr val="dk1">
+                      <a:alpha val="40000"/>
+                    </a:schemeClr>
+                  </a:outerShdw>
+                </a:effectLst>
+              </a:rPr>
+              <a:t>WHITE BLOOD CELL (WBC) </a:t>
+            </a:r>
+          </a:p>
+          <a:p>
+            <a:r>
+              <a:rPr lang="en-US" sz="1200" b="1" dirty="0" smtClean="0">
+                <a:ln w="0"/>
+                <a:solidFill>
+                  <a:srgbClr val="92D050"/>
+                </a:solidFill>
+                <a:effectLst>
+                  <a:outerShdw blurRad="38100" dist="19050" dir="2700000" algn="tl" rotWithShape="0">
+                    <a:schemeClr val="dk1">
+                      <a:alpha val="40000"/>
+                    </a:schemeClr>
+                  </a:outerShdw>
+                </a:effectLst>
+              </a:rPr>
+              <a:t>COLLISION</a:t>
+            </a:r>
+            <a:endParaRPr lang="en-US" sz="1200" b="1" dirty="0">
+              <a:ln w="0"/>
+              <a:solidFill>
+                <a:srgbClr val="92D050"/>
+              </a:solidFill>
+              <a:effectLst>
+                <a:outerShdw blurRad="38100" dist="19050" dir="2700000" algn="tl" rotWithShape="0">
+                  <a:schemeClr val="dk1">
+                    <a:alpha val="40000"/>
+                  </a:schemeClr>
+                </a:outerShdw>
+              </a:effectLst>
+            </a:endParaRPr>
+          </a:p>
+        </p:txBody>
+      </p:sp>
+      <p:sp>
+        <p:nvSpPr>
+          <p:cNvPr id="77" name="Rectangle 76"/>
+          <p:cNvSpPr/>
+          <p:nvPr/>
+        </p:nvSpPr>
+        <p:spPr>
+          <a:xfrm>
+            <a:off x="9801405" y="1584754"/>
+            <a:ext cx="952951" cy="276999"/>
+          </a:xfrm>
+          <a:prstGeom prst="rect">
+            <a:avLst/>
+          </a:prstGeom>
+          <a:ln w="25400">
+            <a:solidFill>
+              <a:srgbClr val="92D050"/>
+            </a:solidFill>
+          </a:ln>
+          <a:effectLst>
+            <a:glow rad="63500">
+              <a:srgbClr val="92D050"/>
+            </a:glow>
+            <a:outerShdw blurRad="50800" dir="5400000" algn="t" rotWithShape="0">
+              <a:prstClr val="black">
+                <a:alpha val="40000"/>
+              </a:prstClr>
+            </a:outerShdw>
+            <a:softEdge rad="0"/>
+          </a:effectLst>
+          <a:scene3d>
+            <a:camera prst="orthographicFront"/>
+            <a:lightRig rig="threePt" dir="t"/>
+          </a:scene3d>
+          <a:sp3d>
+            <a:bevelT w="31750" h="95250" prst="angle"/>
+          </a:sp3d>
+        </p:spPr>
+        <p:txBody>
+          <a:bodyPr wrap="square">
+            <a:spAutoFit/>
+          </a:bodyPr>
+          <a:lstStyle/>
+          <a:p>
+            <a:pPr algn="ctr"/>
+            <a:r>
+              <a:rPr lang="en-US" sz="1200" b="1" dirty="0" smtClean="0">
+                <a:ln w="0"/>
+                <a:solidFill>
+                  <a:srgbClr val="92D050"/>
+                </a:solidFill>
+                <a:effectLst>
+                  <a:outerShdw blurRad="38100" dist="19050" dir="2700000" algn="tl" rotWithShape="0">
+                    <a:schemeClr val="dk1">
+                      <a:alpha val="40000"/>
+                    </a:schemeClr>
+                  </a:outerShdw>
+                </a:effectLst>
+              </a:rPr>
+              <a:t>SPACE BAR </a:t>
+            </a:r>
+            <a:endParaRPr lang="en-US" sz="1200" b="1" dirty="0">
+              <a:ln w="0"/>
+              <a:solidFill>
+                <a:srgbClr val="92D050"/>
+              </a:solidFill>
+              <a:effectLst>
+                <a:outerShdw blurRad="38100" dist="19050" dir="2700000" algn="tl" rotWithShape="0">
+                  <a:schemeClr val="dk1">
+                    <a:alpha val="40000"/>
+                  </a:schemeClr>
+                </a:outerShdw>
+              </a:effectLst>
+            </a:endParaRPr>
+          </a:p>
+        </p:txBody>
+      </p:sp>
+      <p:sp>
+        <p:nvSpPr>
+          <p:cNvPr id="78" name="Rectangle 77"/>
+          <p:cNvSpPr/>
+          <p:nvPr/>
+        </p:nvSpPr>
+        <p:spPr>
+          <a:xfrm>
+            <a:off x="6691528" y="1873364"/>
+            <a:ext cx="3485698" cy="307777"/>
+          </a:xfrm>
+          <a:prstGeom prst="rect">
+            <a:avLst/>
+          </a:prstGeom>
+          <a:effectLst>
+            <a:glow rad="127000">
+              <a:schemeClr val="accent1"/>
+            </a:glow>
+            <a:outerShdw blurRad="50800" dir="5400000" algn="t" rotWithShape="0">
+              <a:prstClr val="black">
+                <a:alpha val="40000"/>
+              </a:prstClr>
+            </a:outerShdw>
+            <a:softEdge rad="0"/>
+          </a:effectLst>
+          <a:scene3d>
+            <a:camera prst="orthographicFront"/>
+            <a:lightRig rig="threePt" dir="t"/>
+          </a:scene3d>
+          <a:sp3d>
+            <a:bevelT w="31750" h="95250" prst="angle"/>
+          </a:sp3d>
+        </p:spPr>
+        <p:txBody>
+          <a:bodyPr wrap="none">
+            <a:spAutoFit/>
+          </a:bodyPr>
+          <a:lstStyle/>
+          <a:p>
+            <a:r>
+              <a:rPr lang="en-US" sz="1400" b="1" dirty="0" smtClean="0">
+                <a:ln w="0"/>
+                <a:solidFill>
+                  <a:srgbClr val="92D050"/>
+                </a:solidFill>
+                <a:effectLst>
+                  <a:outerShdw blurRad="38100" dist="19050" dir="2700000" algn="tl" rotWithShape="0">
+                    <a:schemeClr val="dk1">
+                      <a:alpha val="40000"/>
+                    </a:schemeClr>
+                  </a:outerShdw>
+                </a:effectLst>
+              </a:rPr>
+              <a:t>MOVE AWAY FROM THE CURRENT POSITION</a:t>
+            </a:r>
+            <a:endParaRPr lang="en-US" sz="1400" b="1" dirty="0">
+              <a:ln w="0"/>
+              <a:solidFill>
+                <a:srgbClr val="92D050"/>
+              </a:solidFill>
+              <a:effectLst>
+                <a:outerShdw blurRad="38100" dist="19050" dir="2700000" algn="tl" rotWithShape="0">
+                  <a:schemeClr val="dk1">
+                    <a:alpha val="40000"/>
+                  </a:schemeClr>
+                </a:outerShdw>
+              </a:effectLst>
+            </a:endParaRPr>
+          </a:p>
+        </p:txBody>
+      </p:sp>
+      <p:sp>
+        <p:nvSpPr>
+          <p:cNvPr id="79" name="Rectangle 78"/>
+          <p:cNvSpPr/>
+          <p:nvPr/>
+        </p:nvSpPr>
+        <p:spPr>
+          <a:xfrm>
+            <a:off x="6691528" y="2555770"/>
+            <a:ext cx="4298997" cy="276999"/>
+          </a:xfrm>
+          <a:prstGeom prst="rect">
+            <a:avLst/>
+          </a:prstGeom>
+          <a:effectLst>
+            <a:glow rad="127000">
+              <a:schemeClr val="accent1"/>
+            </a:glow>
+            <a:outerShdw blurRad="50800" dir="5400000" algn="t" rotWithShape="0">
+              <a:prstClr val="black">
+                <a:alpha val="40000"/>
+              </a:prstClr>
+            </a:outerShdw>
+            <a:softEdge rad="0"/>
+          </a:effectLst>
+          <a:scene3d>
+            <a:camera prst="orthographicFront"/>
+            <a:lightRig rig="threePt" dir="t"/>
+          </a:scene3d>
+          <a:sp3d>
+            <a:bevelT w="31750" h="95250" prst="angle"/>
+          </a:sp3d>
+        </p:spPr>
+        <p:txBody>
+          <a:bodyPr wrap="none">
+            <a:spAutoFit/>
+          </a:bodyPr>
+          <a:lstStyle/>
+          <a:p>
+            <a:r>
+              <a:rPr lang="en-US" sz="1200" b="1" dirty="0" smtClean="0">
+                <a:ln w="0"/>
+                <a:solidFill>
+                  <a:srgbClr val="92D050"/>
+                </a:solidFill>
+                <a:effectLst>
+                  <a:outerShdw blurRad="38100" dist="19050" dir="2700000" algn="tl" rotWithShape="0">
+                    <a:schemeClr val="dk1">
+                      <a:alpha val="40000"/>
+                    </a:schemeClr>
+                  </a:outerShdw>
+                </a:effectLst>
+              </a:rPr>
+              <a:t>2.2 AFTER 4 SECONDS THE AREA WILL BE COMPLETELY INFECTED</a:t>
+            </a:r>
+            <a:endParaRPr lang="en-US" sz="1200" b="1" dirty="0">
+              <a:ln w="0"/>
+              <a:solidFill>
+                <a:srgbClr val="92D050"/>
+              </a:solidFill>
+              <a:effectLst>
+                <a:outerShdw blurRad="38100" dist="19050" dir="2700000" algn="tl" rotWithShape="0">
+                  <a:schemeClr val="dk1">
+                    <a:alpha val="40000"/>
+                  </a:schemeClr>
+                </a:outerShdw>
+              </a:effectLst>
+            </a:endParaRPr>
+          </a:p>
+        </p:txBody>
+      </p:sp>
+      <p:sp>
+        <p:nvSpPr>
+          <p:cNvPr id="80" name="Rectangle 79"/>
+          <p:cNvSpPr/>
+          <p:nvPr/>
+        </p:nvSpPr>
+        <p:spPr>
+          <a:xfrm>
+            <a:off x="6691527" y="2790598"/>
+            <a:ext cx="3926909" cy="276999"/>
+          </a:xfrm>
+          <a:prstGeom prst="rect">
+            <a:avLst/>
+          </a:prstGeom>
+          <a:effectLst>
+            <a:glow rad="127000">
+              <a:schemeClr val="accent1"/>
+            </a:glow>
+            <a:outerShdw blurRad="50800" dir="5400000" algn="t" rotWithShape="0">
+              <a:prstClr val="black">
+                <a:alpha val="40000"/>
+              </a:prstClr>
+            </a:outerShdw>
+            <a:softEdge rad="0"/>
+          </a:effectLst>
+          <a:scene3d>
+            <a:camera prst="orthographicFront"/>
+            <a:lightRig rig="threePt" dir="t"/>
+          </a:scene3d>
+          <a:sp3d>
+            <a:bevelT w="31750" h="95250" prst="angle"/>
+          </a:sp3d>
+        </p:spPr>
+        <p:txBody>
+          <a:bodyPr wrap="none">
+            <a:spAutoFit/>
+          </a:bodyPr>
+          <a:lstStyle/>
+          <a:p>
+            <a:r>
+              <a:rPr lang="en-US" sz="1200" b="1" dirty="0" smtClean="0">
+                <a:ln w="0"/>
+                <a:solidFill>
+                  <a:srgbClr val="92D050"/>
+                </a:solidFill>
+                <a:effectLst>
+                  <a:outerShdw blurRad="38100" dist="19050" dir="2700000" algn="tl" rotWithShape="0">
+                    <a:schemeClr val="dk1">
+                      <a:alpha val="40000"/>
+                    </a:schemeClr>
+                  </a:outerShdw>
+                </a:effectLst>
+              </a:rPr>
+              <a:t>2.3 INFECTED AREA PREVENTS WBC AND XYRUS PRESENCE</a:t>
+            </a:r>
+            <a:endParaRPr lang="en-US" sz="1200" b="1" dirty="0">
+              <a:ln w="0"/>
+              <a:solidFill>
+                <a:srgbClr val="92D050"/>
+              </a:solidFill>
+              <a:effectLst>
+                <a:outerShdw blurRad="38100" dist="19050" dir="2700000" algn="tl" rotWithShape="0">
+                  <a:schemeClr val="dk1">
+                    <a:alpha val="40000"/>
+                  </a:schemeClr>
+                </a:outerShdw>
+              </a:effectLst>
+            </a:endParaRPr>
+          </a:p>
+        </p:txBody>
+      </p:sp>
+      <p:sp>
+        <p:nvSpPr>
+          <p:cNvPr id="81" name="Rectangle 80"/>
+          <p:cNvSpPr/>
+          <p:nvPr/>
+        </p:nvSpPr>
+        <p:spPr>
+          <a:xfrm>
+            <a:off x="6493409" y="3082318"/>
+            <a:ext cx="4875758" cy="307777"/>
+          </a:xfrm>
+          <a:prstGeom prst="rect">
+            <a:avLst/>
+          </a:prstGeom>
+          <a:effectLst>
+            <a:glow rad="127000">
+              <a:schemeClr val="accent1"/>
+            </a:glow>
+            <a:outerShdw blurRad="50800" dir="5400000" algn="t" rotWithShape="0">
+              <a:prstClr val="black">
+                <a:alpha val="40000"/>
+              </a:prstClr>
+            </a:outerShdw>
+            <a:softEdge rad="0"/>
+          </a:effectLst>
+          <a:scene3d>
+            <a:camera prst="orthographicFront"/>
+            <a:lightRig rig="threePt" dir="t"/>
+          </a:scene3d>
+          <a:sp3d>
+            <a:bevelT w="31750" h="95250" prst="angle"/>
+          </a:sp3d>
+        </p:spPr>
+        <p:txBody>
+          <a:bodyPr wrap="none">
+            <a:spAutoFit/>
+          </a:bodyPr>
+          <a:lstStyle/>
+          <a:p>
+            <a:r>
+              <a:rPr lang="en-US" sz="1400" b="1" dirty="0">
+                <a:ln w="0"/>
+                <a:solidFill>
+                  <a:srgbClr val="92D050"/>
+                </a:solidFill>
+                <a:effectLst>
+                  <a:outerShdw blurRad="38100" dist="19050" dir="2700000" algn="tl" rotWithShape="0">
+                    <a:schemeClr val="dk1">
+                      <a:alpha val="40000"/>
+                    </a:schemeClr>
+                  </a:outerShdw>
+                </a:effectLst>
+              </a:rPr>
+              <a:t>3</a:t>
+            </a:r>
+            <a:r>
+              <a:rPr lang="en-US" sz="1400" b="1" dirty="0" smtClean="0">
+                <a:ln w="0"/>
+                <a:solidFill>
+                  <a:srgbClr val="92D050"/>
+                </a:solidFill>
+                <a:effectLst>
+                  <a:outerShdw blurRad="38100" dist="19050" dir="2700000" algn="tl" rotWithShape="0">
+                    <a:schemeClr val="dk1">
+                      <a:alpha val="40000"/>
+                    </a:schemeClr>
+                  </a:outerShdw>
+                </a:effectLst>
+              </a:rPr>
+              <a:t>. INITIALIZE IMMUNITY BY PRESSING            THEN MOVE AWAY</a:t>
+            </a:r>
+            <a:endParaRPr lang="en-US" sz="1400" b="1" dirty="0">
+              <a:ln w="0"/>
+              <a:solidFill>
+                <a:srgbClr val="92D050"/>
+              </a:solidFill>
+              <a:effectLst>
+                <a:outerShdw blurRad="38100" dist="19050" dir="2700000" algn="tl" rotWithShape="0">
+                  <a:schemeClr val="dk1">
+                    <a:alpha val="40000"/>
+                  </a:schemeClr>
+                </a:outerShdw>
+              </a:effectLst>
+            </a:endParaRPr>
+          </a:p>
+        </p:txBody>
+      </p:sp>
+      <p:sp>
+        <p:nvSpPr>
+          <p:cNvPr id="82" name="Rectangle 81"/>
+          <p:cNvSpPr/>
+          <p:nvPr/>
+        </p:nvSpPr>
+        <p:spPr>
+          <a:xfrm>
+            <a:off x="6691528" y="3695259"/>
+            <a:ext cx="3406253" cy="276999"/>
+          </a:xfrm>
+          <a:prstGeom prst="rect">
+            <a:avLst/>
+          </a:prstGeom>
+          <a:effectLst>
+            <a:glow rad="127000">
+              <a:schemeClr val="accent1"/>
+            </a:glow>
+            <a:outerShdw blurRad="50800" dir="5400000" algn="t" rotWithShape="0">
+              <a:prstClr val="black">
+                <a:alpha val="40000"/>
+              </a:prstClr>
+            </a:outerShdw>
+            <a:softEdge rad="0"/>
+          </a:effectLst>
+          <a:scene3d>
+            <a:camera prst="orthographicFront"/>
+            <a:lightRig rig="threePt" dir="t"/>
+          </a:scene3d>
+          <a:sp3d>
+            <a:bevelT w="31750" h="95250" prst="angle"/>
+          </a:sp3d>
+        </p:spPr>
+        <p:txBody>
+          <a:bodyPr wrap="none">
+            <a:spAutoFit/>
+          </a:bodyPr>
+          <a:lstStyle/>
+          <a:p>
+            <a:r>
+              <a:rPr lang="en-US" sz="1200" b="1" dirty="0">
+                <a:ln w="0"/>
+                <a:solidFill>
+                  <a:srgbClr val="92D050"/>
+                </a:solidFill>
+                <a:effectLst>
+                  <a:outerShdw blurRad="38100" dist="19050" dir="2700000" algn="tl" rotWithShape="0">
+                    <a:schemeClr val="dk1">
+                      <a:alpha val="40000"/>
+                    </a:schemeClr>
+                  </a:outerShdw>
+                </a:effectLst>
+              </a:rPr>
+              <a:t>3</a:t>
+            </a:r>
+            <a:r>
+              <a:rPr lang="en-US" sz="1200" b="1" dirty="0" smtClean="0">
+                <a:ln w="0"/>
+                <a:solidFill>
+                  <a:srgbClr val="92D050"/>
+                </a:solidFill>
+                <a:effectLst>
+                  <a:outerShdw blurRad="38100" dist="19050" dir="2700000" algn="tl" rotWithShape="0">
+                    <a:schemeClr val="dk1">
+                      <a:alpha val="40000"/>
+                    </a:schemeClr>
+                  </a:outerShdw>
+                </a:effectLst>
+              </a:rPr>
+              <a:t>.1 AFTER 8 SECONDS THE AREA WILL BE IMMUNE</a:t>
+            </a:r>
+            <a:endParaRPr lang="en-US" sz="1200" b="1" dirty="0">
+              <a:ln w="0"/>
+              <a:solidFill>
+                <a:srgbClr val="92D050"/>
+              </a:solidFill>
+              <a:effectLst>
+                <a:outerShdw blurRad="38100" dist="19050" dir="2700000" algn="tl" rotWithShape="0">
+                  <a:schemeClr val="dk1">
+                    <a:alpha val="40000"/>
+                  </a:schemeClr>
+                </a:outerShdw>
+              </a:effectLst>
+            </a:endParaRPr>
+          </a:p>
+        </p:txBody>
+      </p:sp>
+      <p:sp>
+        <p:nvSpPr>
+          <p:cNvPr id="83" name="Rectangle 82"/>
+          <p:cNvSpPr/>
+          <p:nvPr/>
+        </p:nvSpPr>
+        <p:spPr>
+          <a:xfrm>
+            <a:off x="6691528" y="3388353"/>
+            <a:ext cx="2491259" cy="307777"/>
+          </a:xfrm>
+          <a:prstGeom prst="rect">
+            <a:avLst/>
+          </a:prstGeom>
+          <a:effectLst>
+            <a:glow rad="127000">
+              <a:schemeClr val="accent1"/>
+            </a:glow>
+            <a:outerShdw blurRad="50800" dir="5400000" algn="t" rotWithShape="0">
+              <a:prstClr val="black">
+                <a:alpha val="40000"/>
+              </a:prstClr>
+            </a:outerShdw>
+            <a:softEdge rad="0"/>
+          </a:effectLst>
+          <a:scene3d>
+            <a:camera prst="orthographicFront"/>
+            <a:lightRig rig="threePt" dir="t"/>
+          </a:scene3d>
+          <a:sp3d>
+            <a:bevelT w="31750" h="95250" prst="angle"/>
+          </a:sp3d>
+        </p:spPr>
+        <p:txBody>
+          <a:bodyPr wrap="none">
+            <a:spAutoFit/>
+          </a:bodyPr>
+          <a:lstStyle/>
+          <a:p>
+            <a:r>
+              <a:rPr lang="en-US" sz="1400" b="1" dirty="0" smtClean="0">
+                <a:ln w="0"/>
+                <a:solidFill>
+                  <a:srgbClr val="92D050"/>
+                </a:solidFill>
+                <a:effectLst>
+                  <a:outerShdw blurRad="38100" dist="19050" dir="2700000" algn="tl" rotWithShape="0">
+                    <a:schemeClr val="dk1">
+                      <a:alpha val="40000"/>
+                    </a:schemeClr>
+                  </a:outerShdw>
+                </a:effectLst>
+              </a:rPr>
+              <a:t>FROM THE CURRENT POSITION</a:t>
+            </a:r>
+            <a:endParaRPr lang="en-US" sz="1400" b="1" dirty="0">
+              <a:ln w="0"/>
+              <a:solidFill>
+                <a:srgbClr val="92D050"/>
+              </a:solidFill>
+              <a:effectLst>
+                <a:outerShdw blurRad="38100" dist="19050" dir="2700000" algn="tl" rotWithShape="0">
+                  <a:schemeClr val="dk1">
+                    <a:alpha val="40000"/>
+                  </a:schemeClr>
+                </a:outerShdw>
+              </a:effectLst>
+            </a:endParaRPr>
+          </a:p>
+        </p:txBody>
+      </p:sp>
+      <p:sp>
+        <p:nvSpPr>
+          <p:cNvPr id="84" name="Rectangle 83"/>
+          <p:cNvSpPr/>
+          <p:nvPr/>
+        </p:nvSpPr>
+        <p:spPr>
+          <a:xfrm>
+            <a:off x="6691528" y="4000423"/>
+            <a:ext cx="4891980" cy="276999"/>
+          </a:xfrm>
+          <a:prstGeom prst="rect">
+            <a:avLst/>
+          </a:prstGeom>
+          <a:effectLst>
+            <a:glow rad="127000">
+              <a:schemeClr val="accent1"/>
+            </a:glow>
+            <a:outerShdw blurRad="50800" dir="5400000" algn="t" rotWithShape="0">
+              <a:prstClr val="black">
+                <a:alpha val="40000"/>
+              </a:prstClr>
+            </a:outerShdw>
+            <a:softEdge rad="0"/>
+          </a:effectLst>
+          <a:scene3d>
+            <a:camera prst="orthographicFront"/>
+            <a:lightRig rig="threePt" dir="t"/>
+          </a:scene3d>
+          <a:sp3d>
+            <a:bevelT w="31750" h="95250" prst="angle"/>
+          </a:sp3d>
+        </p:spPr>
+        <p:txBody>
+          <a:bodyPr wrap="none">
+            <a:spAutoFit/>
+          </a:bodyPr>
+          <a:lstStyle/>
+          <a:p>
+            <a:r>
+              <a:rPr lang="en-US" sz="1200" b="1" dirty="0">
+                <a:ln w="0"/>
+                <a:solidFill>
+                  <a:srgbClr val="92D050"/>
+                </a:solidFill>
+                <a:effectLst>
+                  <a:outerShdw blurRad="38100" dist="19050" dir="2700000" algn="tl" rotWithShape="0">
+                    <a:schemeClr val="dk1">
+                      <a:alpha val="40000"/>
+                    </a:schemeClr>
+                  </a:outerShdw>
+                </a:effectLst>
+              </a:rPr>
+              <a:t>3</a:t>
+            </a:r>
+            <a:r>
+              <a:rPr lang="en-US" sz="1200" b="1" dirty="0" smtClean="0">
+                <a:ln w="0"/>
+                <a:solidFill>
+                  <a:srgbClr val="92D050"/>
+                </a:solidFill>
+                <a:effectLst>
+                  <a:outerShdw blurRad="38100" dist="19050" dir="2700000" algn="tl" rotWithShape="0">
+                    <a:schemeClr val="dk1">
+                      <a:alpha val="40000"/>
+                    </a:schemeClr>
+                  </a:outerShdw>
+                </a:effectLst>
+              </a:rPr>
+              <a:t>.2 ALL INFECTED AREA CONNECTED TO IMMUNE AREA WILL BE IMMUNE</a:t>
+            </a:r>
+            <a:endParaRPr lang="en-US" sz="1200" b="1" dirty="0">
+              <a:ln w="0"/>
+              <a:solidFill>
+                <a:srgbClr val="92D050"/>
+              </a:solidFill>
+              <a:effectLst>
+                <a:outerShdw blurRad="38100" dist="19050" dir="2700000" algn="tl" rotWithShape="0">
+                  <a:schemeClr val="dk1">
+                    <a:alpha val="40000"/>
+                  </a:schemeClr>
+                </a:outerShdw>
+              </a:effectLst>
+            </a:endParaRPr>
+          </a:p>
+        </p:txBody>
+      </p:sp>
+      <p:sp>
+        <p:nvSpPr>
+          <p:cNvPr id="89" name="Rectangle 88"/>
+          <p:cNvSpPr/>
+          <p:nvPr/>
+        </p:nvSpPr>
+        <p:spPr>
+          <a:xfrm>
+            <a:off x="9446067" y="3095761"/>
+            <a:ext cx="292290" cy="276999"/>
+          </a:xfrm>
+          <a:prstGeom prst="rect">
+            <a:avLst/>
+          </a:prstGeom>
+          <a:ln w="25400">
+            <a:solidFill>
+              <a:srgbClr val="92D050"/>
+            </a:solidFill>
+          </a:ln>
+          <a:effectLst>
+            <a:glow rad="63500">
+              <a:srgbClr val="92D050"/>
+            </a:glow>
+            <a:outerShdw blurRad="50800" dir="5400000" algn="t" rotWithShape="0">
+              <a:prstClr val="black">
+                <a:alpha val="40000"/>
+              </a:prstClr>
+            </a:outerShdw>
+            <a:softEdge rad="0"/>
+          </a:effectLst>
+          <a:scene3d>
+            <a:camera prst="orthographicFront"/>
+            <a:lightRig rig="threePt" dir="t"/>
+          </a:scene3d>
+          <a:sp3d>
+            <a:bevelT w="31750" h="95250" prst="angle"/>
+          </a:sp3d>
+        </p:spPr>
+        <p:txBody>
+          <a:bodyPr wrap="square">
+            <a:spAutoFit/>
+          </a:bodyPr>
+          <a:lstStyle/>
+          <a:p>
+            <a:pPr algn="ctr"/>
+            <a:r>
+              <a:rPr lang="en-US" sz="1200" b="1" dirty="0" smtClean="0">
+                <a:ln w="0"/>
+                <a:solidFill>
+                  <a:srgbClr val="92D050"/>
+                </a:solidFill>
+                <a:effectLst>
+                  <a:outerShdw blurRad="38100" dist="19050" dir="2700000" algn="tl" rotWithShape="0">
+                    <a:schemeClr val="dk1">
+                      <a:alpha val="40000"/>
+                    </a:schemeClr>
+                  </a:outerShdw>
+                </a:effectLst>
+              </a:rPr>
+              <a:t>M</a:t>
+            </a:r>
+            <a:endParaRPr lang="en-US" sz="1200" b="1" dirty="0">
+              <a:ln w="0"/>
+              <a:solidFill>
+                <a:srgbClr val="92D050"/>
+              </a:solidFill>
+              <a:effectLst>
+                <a:outerShdw blurRad="38100" dist="19050" dir="2700000" algn="tl" rotWithShape="0">
+                  <a:schemeClr val="dk1">
+                    <a:alpha val="40000"/>
+                  </a:schemeClr>
+                </a:outerShdw>
+              </a:effectLst>
+            </a:endParaRPr>
+          </a:p>
+        </p:txBody>
+      </p:sp>
+      <p:sp>
+        <p:nvSpPr>
+          <p:cNvPr id="90" name="Rectangle 89"/>
+          <p:cNvSpPr/>
+          <p:nvPr/>
+        </p:nvSpPr>
+        <p:spPr>
+          <a:xfrm>
+            <a:off x="6493409" y="4289530"/>
+            <a:ext cx="1087605" cy="307777"/>
+          </a:xfrm>
+          <a:prstGeom prst="rect">
+            <a:avLst/>
+          </a:prstGeom>
+          <a:effectLst>
+            <a:glow rad="127000">
+              <a:schemeClr val="accent1"/>
+            </a:glow>
+            <a:outerShdw blurRad="50800" dir="5400000" algn="t" rotWithShape="0">
+              <a:prstClr val="black">
+                <a:alpha val="40000"/>
+              </a:prstClr>
+            </a:outerShdw>
+            <a:softEdge rad="0"/>
+          </a:effectLst>
+          <a:scene3d>
+            <a:camera prst="orthographicFront"/>
+            <a:lightRig rig="threePt" dir="t"/>
+          </a:scene3d>
+          <a:sp3d>
+            <a:bevelT w="31750" h="95250" prst="angle"/>
+          </a:sp3d>
+        </p:spPr>
+        <p:txBody>
+          <a:bodyPr wrap="none">
+            <a:spAutoFit/>
+          </a:bodyPr>
+          <a:lstStyle/>
+          <a:p>
+            <a:r>
+              <a:rPr lang="en-US" sz="1400" b="1" dirty="0" smtClean="0">
+                <a:ln w="0"/>
+                <a:solidFill>
+                  <a:srgbClr val="92D050"/>
+                </a:solidFill>
+                <a:effectLst>
+                  <a:outerShdw blurRad="38100" dist="19050" dir="2700000" algn="tl" rotWithShape="0">
+                    <a:schemeClr val="dk1">
+                      <a:alpha val="40000"/>
+                    </a:schemeClr>
+                  </a:outerShdw>
+                </a:effectLst>
+              </a:rPr>
+              <a:t>4. DANGERS</a:t>
+            </a:r>
+            <a:endParaRPr lang="en-US" sz="1400" b="1" dirty="0">
+              <a:ln w="0"/>
+              <a:solidFill>
+                <a:srgbClr val="92D050"/>
+              </a:solidFill>
+              <a:effectLst>
+                <a:outerShdw blurRad="38100" dist="19050" dir="2700000" algn="tl" rotWithShape="0">
+                  <a:schemeClr val="dk1">
+                    <a:alpha val="40000"/>
+                  </a:schemeClr>
+                </a:outerShdw>
+              </a:effectLst>
+            </a:endParaRPr>
+          </a:p>
+        </p:txBody>
+      </p:sp>
+      <p:sp>
+        <p:nvSpPr>
+          <p:cNvPr id="91" name="Rectangle 90"/>
+          <p:cNvSpPr/>
+          <p:nvPr/>
+        </p:nvSpPr>
+        <p:spPr>
+          <a:xfrm>
+            <a:off x="6691528" y="4566529"/>
+            <a:ext cx="3638881" cy="276999"/>
+          </a:xfrm>
+          <a:prstGeom prst="rect">
+            <a:avLst/>
+          </a:prstGeom>
+          <a:effectLst>
+            <a:glow rad="127000">
+              <a:schemeClr val="accent1"/>
+            </a:glow>
+            <a:outerShdw blurRad="50800" dir="5400000" algn="t" rotWithShape="0">
+              <a:prstClr val="black">
+                <a:alpha val="40000"/>
+              </a:prstClr>
+            </a:outerShdw>
+            <a:softEdge rad="0"/>
+          </a:effectLst>
+          <a:scene3d>
+            <a:camera prst="orthographicFront"/>
+            <a:lightRig rig="threePt" dir="t"/>
+          </a:scene3d>
+          <a:sp3d>
+            <a:bevelT w="31750" h="95250" prst="angle"/>
+          </a:sp3d>
+        </p:spPr>
+        <p:txBody>
+          <a:bodyPr wrap="none">
+            <a:spAutoFit/>
+          </a:bodyPr>
+          <a:lstStyle/>
+          <a:p>
+            <a:r>
+              <a:rPr lang="en-US" sz="1200" b="1" dirty="0">
+                <a:ln w="0"/>
+                <a:solidFill>
+                  <a:srgbClr val="92D050"/>
+                </a:solidFill>
+                <a:effectLst>
+                  <a:outerShdw blurRad="38100" dist="19050" dir="2700000" algn="tl" rotWithShape="0">
+                    <a:schemeClr val="dk1">
+                      <a:alpha val="40000"/>
+                    </a:schemeClr>
+                  </a:outerShdw>
+                </a:effectLst>
+              </a:rPr>
+              <a:t>4</a:t>
+            </a:r>
+            <a:r>
+              <a:rPr lang="en-US" sz="1200" b="1" dirty="0" smtClean="0">
+                <a:ln w="0"/>
+                <a:solidFill>
+                  <a:srgbClr val="92D050"/>
+                </a:solidFill>
+                <a:effectLst>
+                  <a:outerShdw blurRad="38100" dist="19050" dir="2700000" algn="tl" rotWithShape="0">
+                    <a:schemeClr val="dk1">
+                      <a:alpha val="40000"/>
+                    </a:schemeClr>
+                  </a:outerShdw>
+                </a:effectLst>
+              </a:rPr>
+              <a:t>.1 AVOID XYRUS AND WBC COLLISION. COST IS 1 LIFE</a:t>
+            </a:r>
+            <a:endParaRPr lang="en-US" sz="1200" b="1" dirty="0">
+              <a:ln w="0"/>
+              <a:solidFill>
+                <a:srgbClr val="92D050"/>
+              </a:solidFill>
+              <a:effectLst>
+                <a:outerShdw blurRad="38100" dist="19050" dir="2700000" algn="tl" rotWithShape="0">
+                  <a:schemeClr val="dk1">
+                    <a:alpha val="40000"/>
+                  </a:schemeClr>
+                </a:outerShdw>
+              </a:effectLst>
+            </a:endParaRPr>
+          </a:p>
+        </p:txBody>
+      </p:sp>
+      <p:sp>
+        <p:nvSpPr>
+          <p:cNvPr id="92" name="Rectangle 91"/>
+          <p:cNvSpPr/>
+          <p:nvPr/>
+        </p:nvSpPr>
+        <p:spPr>
+          <a:xfrm>
+            <a:off x="6691528" y="4871693"/>
+            <a:ext cx="3319820" cy="276999"/>
+          </a:xfrm>
+          <a:prstGeom prst="rect">
+            <a:avLst/>
+          </a:prstGeom>
+          <a:effectLst>
+            <a:glow rad="127000">
+              <a:schemeClr val="accent1"/>
+            </a:glow>
+            <a:outerShdw blurRad="50800" dir="5400000" algn="t" rotWithShape="0">
+              <a:prstClr val="black">
+                <a:alpha val="40000"/>
+              </a:prstClr>
+            </a:outerShdw>
+            <a:softEdge rad="0"/>
+          </a:effectLst>
+          <a:scene3d>
+            <a:camera prst="orthographicFront"/>
+            <a:lightRig rig="threePt" dir="t"/>
+          </a:scene3d>
+          <a:sp3d>
+            <a:bevelT w="31750" h="95250" prst="angle"/>
+          </a:sp3d>
+        </p:spPr>
+        <p:txBody>
+          <a:bodyPr wrap="none">
+            <a:spAutoFit/>
+          </a:bodyPr>
+          <a:lstStyle/>
+          <a:p>
+            <a:r>
+              <a:rPr lang="en-US" sz="1200" b="1" dirty="0">
+                <a:ln w="0"/>
+                <a:solidFill>
+                  <a:srgbClr val="92D050"/>
+                </a:solidFill>
+                <a:effectLst>
+                  <a:outerShdw blurRad="38100" dist="19050" dir="2700000" algn="tl" rotWithShape="0">
+                    <a:schemeClr val="dk1">
+                      <a:alpha val="40000"/>
+                    </a:schemeClr>
+                  </a:outerShdw>
+                </a:effectLst>
+              </a:rPr>
+              <a:t>4</a:t>
+            </a:r>
+            <a:r>
+              <a:rPr lang="en-US" sz="1200" b="1" dirty="0" smtClean="0">
+                <a:ln w="0"/>
+                <a:solidFill>
+                  <a:srgbClr val="92D050"/>
+                </a:solidFill>
+                <a:effectLst>
+                  <a:outerShdw blurRad="38100" dist="19050" dir="2700000" algn="tl" rotWithShape="0">
+                    <a:schemeClr val="dk1">
+                      <a:alpha val="40000"/>
+                    </a:schemeClr>
+                  </a:outerShdw>
+                </a:effectLst>
+              </a:rPr>
+              <a:t>.2 AVOID COUNTDOWN TO ZERO. COST IS 1 LIFE</a:t>
+            </a:r>
+            <a:endParaRPr lang="en-US" sz="1200" b="1" dirty="0">
+              <a:ln w="0"/>
+              <a:solidFill>
+                <a:srgbClr val="92D050"/>
+              </a:solidFill>
+              <a:effectLst>
+                <a:outerShdw blurRad="38100" dist="19050" dir="2700000" algn="tl" rotWithShape="0">
+                  <a:schemeClr val="dk1">
+                    <a:alpha val="40000"/>
+                  </a:schemeClr>
+                </a:outerShdw>
+              </a:effectLst>
+            </a:endParaRPr>
+          </a:p>
+        </p:txBody>
+      </p:sp>
+      <p:sp>
+        <p:nvSpPr>
+          <p:cNvPr id="100" name="Rectangle 99"/>
+          <p:cNvSpPr/>
+          <p:nvPr/>
+        </p:nvSpPr>
+        <p:spPr>
+          <a:xfrm>
+            <a:off x="1976538" y="5310637"/>
+            <a:ext cx="637342" cy="369332"/>
+          </a:xfrm>
+          <a:prstGeom prst="rect">
+            <a:avLst/>
+          </a:prstGeom>
+          <a:ln w="25400">
+            <a:solidFill>
+              <a:srgbClr val="92D050"/>
+            </a:solidFill>
+          </a:ln>
+          <a:effectLst>
+            <a:glow rad="63500">
+              <a:srgbClr val="92D050"/>
+            </a:glow>
+            <a:outerShdw blurRad="50800" dir="5400000" algn="t" rotWithShape="0">
+              <a:prstClr val="black">
+                <a:alpha val="40000"/>
+              </a:prstClr>
+            </a:outerShdw>
+            <a:softEdge rad="0"/>
+          </a:effectLst>
+          <a:scene3d>
+            <a:camera prst="orthographicFront"/>
+            <a:lightRig rig="threePt" dir="t"/>
+          </a:scene3d>
+          <a:sp3d>
+            <a:bevelT w="31750" h="95250" prst="angle"/>
+          </a:sp3d>
+        </p:spPr>
+        <p:txBody>
+          <a:bodyPr wrap="square">
+            <a:spAutoFit/>
+          </a:bodyPr>
+          <a:lstStyle/>
+          <a:p>
+            <a:pPr algn="ctr"/>
+            <a:r>
+              <a:rPr lang="en-US" b="1" dirty="0" smtClean="0">
+                <a:ln w="0"/>
+                <a:solidFill>
+                  <a:srgbClr val="92D050"/>
+                </a:solidFill>
+                <a:effectLst>
+                  <a:outerShdw blurRad="38100" dist="19050" dir="2700000" algn="tl" rotWithShape="0">
+                    <a:schemeClr val="dk1">
+                      <a:alpha val="40000"/>
+                    </a:schemeClr>
+                  </a:outerShdw>
+                </a:effectLst>
+              </a:rPr>
+              <a:t>ESC </a:t>
+            </a:r>
+            <a:endParaRPr lang="en-US" b="1" dirty="0">
+              <a:ln w="0"/>
+              <a:solidFill>
+                <a:srgbClr val="92D050"/>
+              </a:solidFill>
+              <a:effectLst>
+                <a:outerShdw blurRad="38100" dist="19050" dir="2700000" algn="tl" rotWithShape="0">
+                  <a:schemeClr val="dk1">
+                    <a:alpha val="40000"/>
+                  </a:schemeClr>
+                </a:outerShdw>
+              </a:effectLst>
+            </a:endParaRPr>
+          </a:p>
+        </p:txBody>
+      </p:sp>
+      <p:sp>
+        <p:nvSpPr>
+          <p:cNvPr id="101" name="Rectangle 100"/>
+          <p:cNvSpPr/>
+          <p:nvPr/>
+        </p:nvSpPr>
+        <p:spPr>
+          <a:xfrm>
+            <a:off x="2768201" y="5335693"/>
+            <a:ext cx="1349408" cy="307777"/>
+          </a:xfrm>
+          <a:prstGeom prst="rect">
+            <a:avLst/>
+          </a:prstGeom>
+          <a:effectLst>
+            <a:glow rad="127000">
+              <a:schemeClr val="accent1"/>
+            </a:glow>
+            <a:outerShdw blurRad="50800" dir="5400000" algn="t" rotWithShape="0">
+              <a:prstClr val="black">
+                <a:alpha val="40000"/>
+              </a:prstClr>
+            </a:outerShdw>
+            <a:softEdge rad="0"/>
+          </a:effectLst>
+          <a:scene3d>
+            <a:camera prst="orthographicFront"/>
+            <a:lightRig rig="threePt" dir="t"/>
+          </a:scene3d>
+          <a:sp3d>
+            <a:bevelT w="31750" h="95250" prst="angle"/>
+          </a:sp3d>
+        </p:spPr>
+        <p:txBody>
+          <a:bodyPr wrap="none">
+            <a:spAutoFit/>
+          </a:bodyPr>
+          <a:lstStyle/>
+          <a:p>
+            <a:r>
+              <a:rPr lang="en-US" sz="1400" b="1" dirty="0" smtClean="0">
+                <a:ln w="0"/>
+                <a:solidFill>
+                  <a:srgbClr val="92D050"/>
+                </a:solidFill>
+                <a:effectLst>
+                  <a:outerShdw blurRad="38100" dist="19050" dir="2700000" algn="tl" rotWithShape="0">
+                    <a:schemeClr val="dk1">
+                      <a:alpha val="40000"/>
+                    </a:schemeClr>
+                  </a:outerShdw>
+                </a:effectLst>
+              </a:rPr>
+              <a:t>BACK TO MENU</a:t>
+            </a:r>
+            <a:endParaRPr lang="en-US" sz="1400" b="1" dirty="0">
+              <a:ln w="0"/>
+              <a:solidFill>
+                <a:srgbClr val="92D050"/>
+              </a:solidFill>
+              <a:effectLst>
+                <a:outerShdw blurRad="38100" dist="19050" dir="2700000" algn="tl" rotWithShape="0">
+                  <a:schemeClr val="dk1">
+                    <a:alpha val="40000"/>
+                  </a:schemeClr>
+                </a:outerShdw>
+              </a:effectLst>
+            </a:endParaRPr>
+          </a:p>
+        </p:txBody>
+      </p:sp>
+      <p:sp>
+        <p:nvSpPr>
+          <p:cNvPr id="102" name="Rectangle 101"/>
+          <p:cNvSpPr/>
+          <p:nvPr/>
+        </p:nvSpPr>
+        <p:spPr>
+          <a:xfrm>
+            <a:off x="8036155" y="5322083"/>
+            <a:ext cx="637342" cy="369332"/>
+          </a:xfrm>
+          <a:prstGeom prst="rect">
+            <a:avLst/>
+          </a:prstGeom>
+          <a:ln w="25400">
+            <a:solidFill>
+              <a:srgbClr val="92D050"/>
+            </a:solidFill>
+          </a:ln>
+          <a:effectLst>
+            <a:glow rad="63500">
+              <a:srgbClr val="92D050"/>
+            </a:glow>
+            <a:outerShdw blurRad="50800" dir="5400000" algn="t" rotWithShape="0">
+              <a:prstClr val="black">
+                <a:alpha val="40000"/>
+              </a:prstClr>
+            </a:outerShdw>
+            <a:softEdge rad="0"/>
+          </a:effectLst>
+          <a:scene3d>
+            <a:camera prst="orthographicFront"/>
+            <a:lightRig rig="threePt" dir="t"/>
+          </a:scene3d>
+          <a:sp3d>
+            <a:bevelT w="31750" h="95250" prst="angle"/>
+          </a:sp3d>
+        </p:spPr>
+        <p:txBody>
+          <a:bodyPr wrap="square">
+            <a:spAutoFit/>
+          </a:bodyPr>
+          <a:lstStyle/>
+          <a:p>
+            <a:pPr algn="ctr"/>
+            <a:r>
+              <a:rPr lang="en-US" b="1" dirty="0" smtClean="0">
+                <a:ln w="0"/>
+                <a:solidFill>
+                  <a:srgbClr val="92D050"/>
+                </a:solidFill>
+                <a:effectLst>
+                  <a:outerShdw blurRad="38100" dist="19050" dir="2700000" algn="tl" rotWithShape="0">
+                    <a:schemeClr val="dk1">
+                      <a:alpha val="40000"/>
+                    </a:schemeClr>
+                  </a:outerShdw>
+                </a:effectLst>
+              </a:rPr>
+              <a:t>ESC </a:t>
+            </a:r>
+            <a:endParaRPr lang="en-US" b="1" dirty="0">
+              <a:ln w="0"/>
+              <a:solidFill>
+                <a:srgbClr val="92D050"/>
+              </a:solidFill>
+              <a:effectLst>
+                <a:outerShdw blurRad="38100" dist="19050" dir="2700000" algn="tl" rotWithShape="0">
+                  <a:schemeClr val="dk1">
+                    <a:alpha val="40000"/>
+                  </a:schemeClr>
+                </a:outerShdw>
+              </a:effectLst>
+            </a:endParaRPr>
+          </a:p>
+        </p:txBody>
+      </p:sp>
+      <p:sp>
+        <p:nvSpPr>
+          <p:cNvPr id="103" name="Rectangle 102"/>
+          <p:cNvSpPr/>
+          <p:nvPr/>
+        </p:nvSpPr>
+        <p:spPr>
+          <a:xfrm>
+            <a:off x="8827818" y="5347139"/>
+            <a:ext cx="1349408" cy="307777"/>
+          </a:xfrm>
+          <a:prstGeom prst="rect">
+            <a:avLst/>
+          </a:prstGeom>
+          <a:effectLst>
+            <a:glow rad="127000">
+              <a:schemeClr val="accent1"/>
+            </a:glow>
+            <a:outerShdw blurRad="50800" dir="5400000" algn="t" rotWithShape="0">
+              <a:prstClr val="black">
+                <a:alpha val="40000"/>
+              </a:prstClr>
+            </a:outerShdw>
+            <a:softEdge rad="0"/>
+          </a:effectLst>
+          <a:scene3d>
+            <a:camera prst="orthographicFront"/>
+            <a:lightRig rig="threePt" dir="t"/>
+          </a:scene3d>
+          <a:sp3d>
+            <a:bevelT w="31750" h="95250" prst="angle"/>
+          </a:sp3d>
+        </p:spPr>
+        <p:txBody>
+          <a:bodyPr wrap="none">
+            <a:spAutoFit/>
+          </a:bodyPr>
+          <a:lstStyle/>
+          <a:p>
+            <a:r>
+              <a:rPr lang="en-US" sz="1400" b="1" dirty="0" smtClean="0">
+                <a:ln w="0"/>
+                <a:solidFill>
+                  <a:srgbClr val="92D050"/>
+                </a:solidFill>
+                <a:effectLst>
+                  <a:outerShdw blurRad="38100" dist="19050" dir="2700000" algn="tl" rotWithShape="0">
+                    <a:schemeClr val="dk1">
+                      <a:alpha val="40000"/>
+                    </a:schemeClr>
+                  </a:outerShdw>
+                </a:effectLst>
+              </a:rPr>
+              <a:t>BACK TO MENU</a:t>
+            </a:r>
+            <a:endParaRPr lang="en-US" sz="1400" b="1" dirty="0">
+              <a:ln w="0"/>
+              <a:solidFill>
+                <a:srgbClr val="92D050"/>
+              </a:solidFill>
+              <a:effectLst>
+                <a:outerShdw blurRad="38100" dist="19050" dir="2700000" algn="tl" rotWithShape="0">
+                  <a:schemeClr val="dk1">
+                    <a:alpha val="40000"/>
+                  </a:schemeClr>
+                </a:outerShdw>
+              </a:effectLst>
+            </a:endParaRPr>
+          </a:p>
+        </p:txBody>
+      </p:sp>
+    </p:spTree>
+    <p:extLst>
+      <p:ext uri="{BB962C8B-B14F-4D97-AF65-F5344CB8AC3E}">
+        <p14:creationId xmlns:p14="http://schemas.microsoft.com/office/powerpoint/2010/main" val="180147337"/>
+      </p:ext>
+    </p:extLst>
+  </p:cSld>
+  <p:clrMapOvr>
+    <a:masterClrMapping/>
+  </p:clrMapOvr>
+</p:sld>
+</file>
+
+<file path=ppt/slides/slide3.xml><?xml version="1.0" encoding="utf-8"?>
+<p:sld xmlns:a="http://schemas.openxmlformats.org/drawingml/2006/main" xmlns:r="http://schemas.openxmlformats.org/officeDocument/2006/relationships" xmlns:p="http://schemas.openxmlformats.org/presentationml/2006/main">
+  <p:cSld>
+    <p:spTree>
+      <p:nvGrpSpPr>
+        <p:cNvPr id="1" name=""/>
+        <p:cNvGrpSpPr/>
+        <p:nvPr/>
+      </p:nvGrpSpPr>
+      <p:grpSpPr>
+        <a:xfrm>
+          <a:off x="0" y="0"/>
+          <a:ext cx="0" cy="0"/>
+          <a:chOff x="0" y="0"/>
+          <a:chExt cx="0" cy="0"/>
+        </a:xfrm>
+      </p:grpSpPr>
+      <p:pic>
+        <p:nvPicPr>
+          <p:cNvPr id="45" name="Picture 44"/>
+          <p:cNvPicPr>
+            <a:picLocks noChangeAspect="1"/>
+          </p:cNvPicPr>
+          <p:nvPr/>
+        </p:nvPicPr>
+        <p:blipFill>
+          <a:blip r:embed="rId2">
+            <a:extLst>
+              <a:ext uri="{28A0092B-C50C-407E-A947-70E740481C1C}">
+                <a14:useLocalDpi xmlns:a14="http://schemas.microsoft.com/office/drawing/2010/main" val="0"/>
+              </a:ext>
+            </a:extLst>
+          </a:blip>
+          <a:stretch>
+            <a:fillRect/>
+          </a:stretch>
+        </p:blipFill>
+        <p:spPr>
+          <a:xfrm>
+            <a:off x="6231099" y="292608"/>
+            <a:ext cx="5715000" cy="5715000"/>
+          </a:xfrm>
+          <a:prstGeom prst="rect">
+            <a:avLst/>
+          </a:prstGeom>
+          <a:ln>
+            <a:noFill/>
+          </a:ln>
+        </p:spPr>
+      </p:pic>
+      <p:sp>
+        <p:nvSpPr>
+          <p:cNvPr id="46" name="Rectangle 45"/>
+          <p:cNvSpPr/>
+          <p:nvPr/>
+        </p:nvSpPr>
+        <p:spPr>
+          <a:xfrm>
+            <a:off x="7790078" y="525174"/>
+            <a:ext cx="2603149" cy="523220"/>
+          </a:xfrm>
+          <a:prstGeom prst="rect">
+            <a:avLst/>
+          </a:prstGeom>
+          <a:effectLst>
+            <a:glow rad="127000">
+              <a:schemeClr val="accent1"/>
+            </a:glow>
+            <a:outerShdw blurRad="50800" dir="5400000" algn="t" rotWithShape="0">
+              <a:prstClr val="black">
+                <a:alpha val="40000"/>
+              </a:prstClr>
+            </a:outerShdw>
+            <a:softEdge rad="0"/>
+          </a:effectLst>
+          <a:scene3d>
+            <a:camera prst="orthographicFront"/>
+            <a:lightRig rig="threePt" dir="t"/>
+          </a:scene3d>
+          <a:sp3d>
+            <a:bevelT w="31750" h="95250" prst="angle"/>
+          </a:sp3d>
+        </p:spPr>
+        <p:txBody>
+          <a:bodyPr wrap="none">
+            <a:spAutoFit/>
+          </a:bodyPr>
+          <a:lstStyle/>
+          <a:p>
+            <a:pPr algn="ctr"/>
+            <a:r>
+              <a:rPr lang="en-US" sz="2800" b="1" dirty="0" smtClean="0">
+                <a:ln w="0"/>
+                <a:solidFill>
+                  <a:srgbClr val="92D050"/>
+                </a:solidFill>
+                <a:effectLst>
+                  <a:outerShdw blurRad="38100" dist="19050" dir="2700000" algn="tl" rotWithShape="0">
+                    <a:schemeClr val="dk1">
+                      <a:alpha val="40000"/>
+                    </a:schemeClr>
+                  </a:outerShdw>
+                </a:effectLst>
+              </a:rPr>
+              <a:t>GAME </a:t>
+            </a:r>
+            <a:r>
+              <a:rPr lang="en-US" sz="2800" b="1" dirty="0" smtClean="0">
+                <a:ln w="0"/>
+                <a:solidFill>
+                  <a:srgbClr val="92D050"/>
+                </a:solidFill>
+                <a:effectLst>
+                  <a:outerShdw blurRad="38100" dist="19050" dir="2700000" algn="tl" rotWithShape="0">
+                    <a:schemeClr val="dk1">
+                      <a:alpha val="40000"/>
+                    </a:schemeClr>
+                  </a:outerShdw>
+                </a:effectLst>
+              </a:rPr>
+              <a:t>CONCEPT</a:t>
+            </a:r>
+            <a:endParaRPr lang="en-US" sz="2800" b="1" dirty="0">
+              <a:ln w="0"/>
+              <a:solidFill>
+                <a:srgbClr val="92D050"/>
+              </a:solidFill>
+              <a:effectLst>
+                <a:outerShdw blurRad="38100" dist="19050" dir="2700000" algn="tl" rotWithShape="0">
+                  <a:schemeClr val="dk1">
+                    <a:alpha val="40000"/>
+                  </a:schemeClr>
+                </a:outerShdw>
+              </a:effectLst>
+            </a:endParaRPr>
+          </a:p>
+        </p:txBody>
+      </p:sp>
+      <p:sp>
+        <p:nvSpPr>
+          <p:cNvPr id="51" name="Rectangle 50"/>
+          <p:cNvSpPr/>
+          <p:nvPr/>
+        </p:nvSpPr>
+        <p:spPr>
+          <a:xfrm>
+            <a:off x="6337961" y="1253528"/>
+            <a:ext cx="5608138" cy="1815882"/>
+          </a:xfrm>
+          <a:prstGeom prst="rect">
+            <a:avLst/>
+          </a:prstGeom>
+          <a:effectLst>
+            <a:glow rad="127000">
+              <a:schemeClr val="accent1"/>
+            </a:glow>
+            <a:outerShdw blurRad="50800" dir="5400000" algn="t" rotWithShape="0">
+              <a:prstClr val="black">
+                <a:alpha val="40000"/>
+              </a:prstClr>
+            </a:outerShdw>
+            <a:softEdge rad="0"/>
+          </a:effectLst>
+          <a:scene3d>
+            <a:camera prst="orthographicFront"/>
+            <a:lightRig rig="threePt" dir="t"/>
+          </a:scene3d>
+          <a:sp3d>
+            <a:bevelT w="31750" h="95250" prst="angle"/>
+          </a:sp3d>
+        </p:spPr>
+        <p:txBody>
+          <a:bodyPr wrap="none">
+            <a:spAutoFit/>
+          </a:bodyPr>
+          <a:lstStyle/>
+          <a:p>
+            <a:r>
+              <a:rPr lang="en-US" sz="1400" b="1" dirty="0" smtClean="0">
+                <a:ln w="0"/>
+                <a:solidFill>
+                  <a:srgbClr val="92D050"/>
+                </a:solidFill>
+                <a:effectLst>
+                  <a:outerShdw blurRad="38100" dist="19050" dir="2700000" algn="tl" rotWithShape="0">
+                    <a:schemeClr val="dk1">
+                      <a:alpha val="40000"/>
+                    </a:schemeClr>
+                  </a:outerShdw>
+                </a:effectLst>
+              </a:rPr>
+              <a:t> </a:t>
+            </a:r>
+            <a:r>
+              <a:rPr lang="en-US" sz="1400" b="1" dirty="0" smtClean="0">
+                <a:ln w="0"/>
+                <a:solidFill>
+                  <a:srgbClr val="92D050"/>
+                </a:solidFill>
+                <a:effectLst>
+                  <a:outerShdw blurRad="38100" dist="19050" dir="2700000" algn="tl" rotWithShape="0">
+                    <a:schemeClr val="dk1">
+                      <a:alpha val="40000"/>
+                    </a:schemeClr>
+                  </a:outerShdw>
+                </a:effectLst>
+              </a:rPr>
+              <a:t>XYRUS, YOUR FRIENDLY VIRUS IS A FAST-PACED, TOP-DOWN 2D ARCADE</a:t>
+            </a:r>
+          </a:p>
+          <a:p>
+            <a:r>
+              <a:rPr lang="en-US" sz="1400" b="1" dirty="0" smtClean="0">
+                <a:ln w="0"/>
+                <a:solidFill>
+                  <a:srgbClr val="92D050"/>
+                </a:solidFill>
+                <a:effectLst>
+                  <a:outerShdw blurRad="38100" dist="19050" dir="2700000" algn="tl" rotWithShape="0">
+                    <a:schemeClr val="dk1">
+                      <a:alpha val="40000"/>
+                    </a:schemeClr>
+                  </a:outerShdw>
+                </a:effectLst>
+              </a:rPr>
+              <a:t> GAME WHERE PLAYERS CONTROL A FRIENDLY VIRUS NAMED XYRUS. </a:t>
+            </a:r>
+          </a:p>
+          <a:p>
+            <a:endParaRPr lang="en-US" sz="1400" b="1" dirty="0">
+              <a:ln w="0"/>
+              <a:solidFill>
+                <a:srgbClr val="92D050"/>
+              </a:solidFill>
+              <a:effectLst>
+                <a:outerShdw blurRad="38100" dist="19050" dir="2700000" algn="tl" rotWithShape="0">
+                  <a:schemeClr val="dk1">
+                    <a:alpha val="40000"/>
+                  </a:schemeClr>
+                </a:outerShdw>
+              </a:effectLst>
+            </a:endParaRPr>
+          </a:p>
+          <a:p>
+            <a:r>
+              <a:rPr lang="en-US" sz="1400" b="1" dirty="0" smtClean="0">
+                <a:ln w="0"/>
+                <a:solidFill>
+                  <a:srgbClr val="92D050"/>
+                </a:solidFill>
+                <a:effectLst>
+                  <a:outerShdw blurRad="38100" dist="19050" dir="2700000" algn="tl" rotWithShape="0">
+                    <a:schemeClr val="dk1">
+                      <a:alpha val="40000"/>
+                    </a:schemeClr>
+                  </a:outerShdw>
+                </a:effectLst>
+              </a:rPr>
+              <a:t>THE GOAL IS TO IMMUNIZE THE AREAS TO MAKE THEM IMMUNE TO </a:t>
+            </a:r>
+          </a:p>
+          <a:p>
+            <a:r>
+              <a:rPr lang="en-US" sz="1400" b="1" dirty="0" smtClean="0">
+                <a:ln w="0"/>
+                <a:solidFill>
+                  <a:srgbClr val="92D050"/>
+                </a:solidFill>
+                <a:effectLst>
+                  <a:outerShdw blurRad="38100" dist="19050" dir="2700000" algn="tl" rotWithShape="0">
+                    <a:schemeClr val="dk1">
+                      <a:alpha val="40000"/>
+                    </a:schemeClr>
+                  </a:outerShdw>
+                </a:effectLst>
+              </a:rPr>
+              <a:t>HARMFUL VIRUSES WHILE AVOIDING THREATS LIKE WHITE BLOOD CELLS.</a:t>
+            </a:r>
+          </a:p>
+          <a:p>
+            <a:endParaRPr lang="en-US" sz="1400" b="1" dirty="0" smtClean="0">
+              <a:ln w="0"/>
+              <a:solidFill>
+                <a:srgbClr val="92D050"/>
+              </a:solidFill>
+              <a:effectLst>
+                <a:outerShdw blurRad="38100" dist="19050" dir="2700000" algn="tl" rotWithShape="0">
+                  <a:schemeClr val="dk1">
+                    <a:alpha val="40000"/>
+                  </a:schemeClr>
+                </a:outerShdw>
+              </a:effectLst>
+            </a:endParaRPr>
+          </a:p>
+          <a:p>
+            <a:r>
+              <a:rPr lang="en-US" sz="1400" b="1" dirty="0" smtClean="0">
+                <a:ln w="0"/>
+                <a:solidFill>
+                  <a:srgbClr val="92D050"/>
+                </a:solidFill>
+                <a:effectLst>
+                  <a:outerShdw blurRad="38100" dist="19050" dir="2700000" algn="tl" rotWithShape="0">
+                    <a:schemeClr val="dk1">
+                      <a:alpha val="40000"/>
+                    </a:schemeClr>
+                  </a:outerShdw>
+                </a:effectLst>
+              </a:rPr>
+              <a:t>PLAYERS USE STRATEGIC MOVEMENT AND UNIQUE ABILITIES, SUCH AS </a:t>
+            </a:r>
+          </a:p>
+          <a:p>
+            <a:r>
+              <a:rPr lang="en-US" sz="1400" b="1" dirty="0" smtClean="0">
+                <a:ln w="0"/>
+                <a:solidFill>
+                  <a:srgbClr val="92D050"/>
+                </a:solidFill>
+                <a:effectLst>
+                  <a:outerShdw blurRad="38100" dist="19050" dir="2700000" algn="tl" rotWithShape="0">
+                    <a:schemeClr val="dk1">
+                      <a:alpha val="40000"/>
+                    </a:schemeClr>
+                  </a:outerShdw>
+                </a:effectLst>
+              </a:rPr>
+              <a:t>TELEPORATION, TO OUTMANEUVER THESE THREATS.</a:t>
+            </a:r>
+            <a:endParaRPr lang="en-US" sz="1400" b="1" dirty="0">
+              <a:ln w="0"/>
+              <a:solidFill>
+                <a:srgbClr val="92D050"/>
+              </a:solidFill>
+              <a:effectLst>
+                <a:outerShdw blurRad="38100" dist="19050" dir="2700000" algn="tl" rotWithShape="0">
+                  <a:schemeClr val="dk1">
+                    <a:alpha val="40000"/>
+                  </a:schemeClr>
+                </a:outerShdw>
+              </a:effectLst>
+            </a:endParaRPr>
+          </a:p>
+        </p:txBody>
+      </p:sp>
+      <p:sp>
+        <p:nvSpPr>
+          <p:cNvPr id="102" name="Rectangle 101"/>
+          <p:cNvSpPr/>
+          <p:nvPr/>
+        </p:nvSpPr>
+        <p:spPr>
+          <a:xfrm>
+            <a:off x="8072731" y="5322083"/>
+            <a:ext cx="637342" cy="369332"/>
+          </a:xfrm>
+          <a:prstGeom prst="rect">
+            <a:avLst/>
+          </a:prstGeom>
+          <a:ln w="25400">
+            <a:solidFill>
+              <a:srgbClr val="92D050"/>
+            </a:solidFill>
+          </a:ln>
+          <a:effectLst>
+            <a:glow rad="63500">
+              <a:srgbClr val="92D050"/>
+            </a:glow>
+            <a:outerShdw blurRad="50800" dir="5400000" algn="t" rotWithShape="0">
+              <a:prstClr val="black">
+                <a:alpha val="40000"/>
+              </a:prstClr>
+            </a:outerShdw>
+            <a:softEdge rad="0"/>
+          </a:effectLst>
+          <a:scene3d>
+            <a:camera prst="orthographicFront"/>
+            <a:lightRig rig="threePt" dir="t"/>
+          </a:scene3d>
+          <a:sp3d>
+            <a:bevelT w="31750" h="95250" prst="angle"/>
+          </a:sp3d>
+        </p:spPr>
+        <p:txBody>
+          <a:bodyPr wrap="square">
+            <a:spAutoFit/>
+          </a:bodyPr>
+          <a:lstStyle/>
+          <a:p>
+            <a:pPr algn="ctr"/>
+            <a:r>
+              <a:rPr lang="en-US" b="1" dirty="0" smtClean="0">
+                <a:ln w="0"/>
+                <a:solidFill>
+                  <a:srgbClr val="92D050"/>
+                </a:solidFill>
+                <a:effectLst>
+                  <a:outerShdw blurRad="38100" dist="19050" dir="2700000" algn="tl" rotWithShape="0">
+                    <a:schemeClr val="dk1">
+                      <a:alpha val="40000"/>
+                    </a:schemeClr>
+                  </a:outerShdw>
+                </a:effectLst>
+              </a:rPr>
+              <a:t>ESC </a:t>
+            </a:r>
+            <a:endParaRPr lang="en-US" b="1" dirty="0">
+              <a:ln w="0"/>
+              <a:solidFill>
+                <a:srgbClr val="92D050"/>
+              </a:solidFill>
+              <a:effectLst>
+                <a:outerShdw blurRad="38100" dist="19050" dir="2700000" algn="tl" rotWithShape="0">
+                  <a:schemeClr val="dk1">
+                    <a:alpha val="40000"/>
+                  </a:schemeClr>
+                </a:outerShdw>
+              </a:effectLst>
+            </a:endParaRPr>
+          </a:p>
+        </p:txBody>
+      </p:sp>
+      <p:sp>
+        <p:nvSpPr>
+          <p:cNvPr id="103" name="Rectangle 102"/>
+          <p:cNvSpPr/>
+          <p:nvPr/>
+        </p:nvSpPr>
+        <p:spPr>
+          <a:xfrm>
+            <a:off x="8864394" y="5347139"/>
+            <a:ext cx="1349408" cy="307777"/>
+          </a:xfrm>
+          <a:prstGeom prst="rect">
+            <a:avLst/>
+          </a:prstGeom>
+          <a:effectLst>
+            <a:glow rad="127000">
+              <a:schemeClr val="accent1"/>
+            </a:glow>
+            <a:outerShdw blurRad="50800" dir="5400000" algn="t" rotWithShape="0">
+              <a:prstClr val="black">
+                <a:alpha val="40000"/>
+              </a:prstClr>
+            </a:outerShdw>
+            <a:softEdge rad="0"/>
+          </a:effectLst>
+          <a:scene3d>
+            <a:camera prst="orthographicFront"/>
+            <a:lightRig rig="threePt" dir="t"/>
+          </a:scene3d>
+          <a:sp3d>
+            <a:bevelT w="31750" h="95250" prst="angle"/>
+          </a:sp3d>
+        </p:spPr>
+        <p:txBody>
+          <a:bodyPr wrap="none">
+            <a:spAutoFit/>
+          </a:bodyPr>
+          <a:lstStyle/>
+          <a:p>
+            <a:r>
+              <a:rPr lang="en-US" sz="1400" b="1" dirty="0" smtClean="0">
+                <a:ln w="0"/>
+                <a:solidFill>
+                  <a:srgbClr val="92D050"/>
+                </a:solidFill>
+                <a:effectLst>
+                  <a:outerShdw blurRad="38100" dist="19050" dir="2700000" algn="tl" rotWithShape="0">
+                    <a:schemeClr val="dk1">
+                      <a:alpha val="40000"/>
+                    </a:schemeClr>
+                  </a:outerShdw>
+                </a:effectLst>
+              </a:rPr>
+              <a:t>BACK TO MENU</a:t>
+            </a:r>
+            <a:endParaRPr lang="en-US" sz="1400" b="1" dirty="0">
+              <a:ln w="0"/>
+              <a:solidFill>
+                <a:srgbClr val="92D050"/>
+              </a:solidFill>
+              <a:effectLst>
+                <a:outerShdw blurRad="38100" dist="19050" dir="2700000" algn="tl" rotWithShape="0">
+                  <a:schemeClr val="dk1">
+                    <a:alpha val="40000"/>
+                  </a:schemeClr>
+                </a:outerShdw>
+              </a:effectLst>
+            </a:endParaRPr>
+          </a:p>
+        </p:txBody>
+      </p:sp>
+      <p:pic>
+        <p:nvPicPr>
+          <p:cNvPr id="2" name="Picture 1"/>
+          <p:cNvPicPr>
+            <a:picLocks noChangeAspect="1"/>
+          </p:cNvPicPr>
+          <p:nvPr/>
+        </p:nvPicPr>
+        <p:blipFill>
+          <a:blip r:embed="rId3"/>
+          <a:stretch>
+            <a:fillRect/>
+          </a:stretch>
+        </p:blipFill>
+        <p:spPr>
+          <a:xfrm>
+            <a:off x="7790078" y="3481036"/>
+            <a:ext cx="594970" cy="547999"/>
+          </a:xfrm>
+          <a:prstGeom prst="rect">
+            <a:avLst/>
+          </a:prstGeom>
+        </p:spPr>
+      </p:pic>
+      <p:pic>
+        <p:nvPicPr>
+          <p:cNvPr id="3" name="Picture 2"/>
+          <p:cNvPicPr>
+            <a:picLocks noChangeAspect="1"/>
+          </p:cNvPicPr>
+          <p:nvPr/>
+        </p:nvPicPr>
+        <p:blipFill>
+          <a:blip r:embed="rId4"/>
+          <a:stretch>
+            <a:fillRect/>
+          </a:stretch>
+        </p:blipFill>
+        <p:spPr>
+          <a:xfrm>
+            <a:off x="9475090" y="3465222"/>
+            <a:ext cx="537590" cy="563813"/>
+          </a:xfrm>
+          <a:prstGeom prst="rect">
+            <a:avLst/>
+          </a:prstGeom>
+        </p:spPr>
+      </p:pic>
+      <p:sp>
+        <p:nvSpPr>
+          <p:cNvPr id="59" name="Rectangle 58"/>
+          <p:cNvSpPr/>
+          <p:nvPr/>
+        </p:nvSpPr>
+        <p:spPr>
+          <a:xfrm>
+            <a:off x="7747566" y="4029035"/>
+            <a:ext cx="679994" cy="307777"/>
+          </a:xfrm>
+          <a:prstGeom prst="rect">
+            <a:avLst/>
+          </a:prstGeom>
+          <a:effectLst>
+            <a:glow rad="127000">
+              <a:schemeClr val="accent1"/>
+            </a:glow>
+            <a:outerShdw blurRad="50800" dir="5400000" algn="t" rotWithShape="0">
+              <a:prstClr val="black">
+                <a:alpha val="40000"/>
+              </a:prstClr>
+            </a:outerShdw>
+            <a:softEdge rad="0"/>
+          </a:effectLst>
+          <a:scene3d>
+            <a:camera prst="orthographicFront"/>
+            <a:lightRig rig="threePt" dir="t"/>
+          </a:scene3d>
+          <a:sp3d>
+            <a:bevelT w="31750" h="95250" prst="angle"/>
+          </a:sp3d>
+        </p:spPr>
+        <p:txBody>
+          <a:bodyPr wrap="none">
+            <a:spAutoFit/>
+          </a:bodyPr>
+          <a:lstStyle/>
+          <a:p>
+            <a:r>
+              <a:rPr lang="en-US" sz="1400" b="1" dirty="0" smtClean="0">
+                <a:ln w="0"/>
+                <a:solidFill>
+                  <a:srgbClr val="92D050"/>
+                </a:solidFill>
+                <a:effectLst>
+                  <a:outerShdw blurRad="38100" dist="19050" dir="2700000" algn="tl" rotWithShape="0">
+                    <a:schemeClr val="dk1">
+                      <a:alpha val="40000"/>
+                    </a:schemeClr>
+                  </a:outerShdw>
+                </a:effectLst>
+              </a:rPr>
+              <a:t>XYRUS</a:t>
+            </a:r>
+            <a:endParaRPr lang="en-US" sz="1400" b="1" dirty="0">
+              <a:ln w="0"/>
+              <a:solidFill>
+                <a:srgbClr val="92D050"/>
+              </a:solidFill>
+              <a:effectLst>
+                <a:outerShdw blurRad="38100" dist="19050" dir="2700000" algn="tl" rotWithShape="0">
+                  <a:schemeClr val="dk1">
+                    <a:alpha val="40000"/>
+                  </a:schemeClr>
+                </a:outerShdw>
+              </a:effectLst>
+            </a:endParaRPr>
+          </a:p>
+        </p:txBody>
+      </p:sp>
+      <p:sp>
+        <p:nvSpPr>
+          <p:cNvPr id="60" name="Rectangle 59"/>
+          <p:cNvSpPr/>
+          <p:nvPr/>
+        </p:nvSpPr>
+        <p:spPr>
+          <a:xfrm>
+            <a:off x="9019840" y="4029034"/>
+            <a:ext cx="1630639" cy="307777"/>
+          </a:xfrm>
+          <a:prstGeom prst="rect">
+            <a:avLst/>
+          </a:prstGeom>
+          <a:effectLst>
+            <a:glow rad="127000">
+              <a:schemeClr val="accent1"/>
+            </a:glow>
+            <a:outerShdw blurRad="50800" dir="5400000" algn="t" rotWithShape="0">
+              <a:prstClr val="black">
+                <a:alpha val="40000"/>
+              </a:prstClr>
+            </a:outerShdw>
+            <a:softEdge rad="0"/>
+          </a:effectLst>
+          <a:scene3d>
+            <a:camera prst="orthographicFront"/>
+            <a:lightRig rig="threePt" dir="t"/>
+          </a:scene3d>
+          <a:sp3d>
+            <a:bevelT w="31750" h="95250" prst="angle"/>
+          </a:sp3d>
+        </p:spPr>
+        <p:txBody>
+          <a:bodyPr wrap="none">
+            <a:spAutoFit/>
+          </a:bodyPr>
+          <a:lstStyle/>
+          <a:p>
+            <a:r>
+              <a:rPr lang="en-US" sz="1400" b="1" dirty="0" smtClean="0">
+                <a:ln w="0"/>
+                <a:solidFill>
+                  <a:srgbClr val="92D050"/>
+                </a:solidFill>
+                <a:effectLst>
+                  <a:outerShdw blurRad="38100" dist="19050" dir="2700000" algn="tl" rotWithShape="0">
+                    <a:schemeClr val="dk1">
+                      <a:alpha val="40000"/>
+                    </a:schemeClr>
+                  </a:outerShdw>
+                </a:effectLst>
+              </a:rPr>
+              <a:t>WHITE BLOOD CELL</a:t>
+            </a:r>
+            <a:endParaRPr lang="en-US" sz="1400" b="1" dirty="0">
+              <a:ln w="0"/>
+              <a:solidFill>
+                <a:srgbClr val="92D050"/>
+              </a:solidFill>
+              <a:effectLst>
+                <a:outerShdw blurRad="38100" dist="19050" dir="2700000" algn="tl" rotWithShape="0">
+                  <a:schemeClr val="dk1">
+                    <a:alpha val="40000"/>
+                  </a:schemeClr>
+                </a:outerShdw>
+              </a:effectLst>
+            </a:endParaRPr>
+          </a:p>
+        </p:txBody>
+      </p:sp>
+    </p:spTree>
+    <p:extLst>
+      <p:ext uri="{BB962C8B-B14F-4D97-AF65-F5344CB8AC3E}">
+        <p14:creationId xmlns:p14="http://schemas.microsoft.com/office/powerpoint/2010/main" val="2498115576"/>
       </p:ext>
     </p:extLst>
   </p:cSld>
